--- a/docs/T+服务端构架.pptx
+++ b/docs/T+服务端构架.pptx
@@ -8,12 +8,12 @@
     <p:sldId id="256" r:id="rId2"/>
     <p:sldId id="258" r:id="rId3"/>
     <p:sldId id="259" r:id="rId4"/>
-    <p:sldId id="261" r:id="rId5"/>
-    <p:sldId id="263" r:id="rId6"/>
-    <p:sldId id="264" r:id="rId7"/>
-    <p:sldId id="262" r:id="rId8"/>
-    <p:sldId id="265" r:id="rId9"/>
-    <p:sldId id="260" r:id="rId10"/>
+    <p:sldId id="263" r:id="rId5"/>
+    <p:sldId id="264" r:id="rId6"/>
+    <p:sldId id="266" r:id="rId7"/>
+    <p:sldId id="265" r:id="rId8"/>
+    <p:sldId id="261" r:id="rId9"/>
+    <p:sldId id="262" r:id="rId10"/>
   </p:sldIdLst>
   <p:sldSz cx="12192000" cy="6858000"/>
   <p:notesSz cx="6858000" cy="9144000"/>
@@ -120,15 +120,18 @@
             <p14:sldId id="256"/>
             <p14:sldId id="258"/>
             <p14:sldId id="259"/>
-            <p14:sldId id="261"/>
             <p14:sldId id="263"/>
             <p14:sldId id="264"/>
+            <p14:sldId id="266"/>
+            <p14:sldId id="265"/>
+            <p14:sldId id="261"/>
             <p14:sldId id="262"/>
-            <p14:sldId id="265"/>
-            <p14:sldId id="260"/>
           </p14:sldIdLst>
         </p14:section>
       </p14:sectionLst>
+    </p:ext>
+    <p:ext uri="{EFAFB233-063F-42B5-8137-9DF3F51BA10A}">
+      <p15:sldGuideLst xmlns:p15="http://schemas.microsoft.com/office/powerpoint/2012/main"/>
     </p:ext>
   </p:extLst>
 </p:presentation>
@@ -326,7 +329,7 @@
             <a:fld id="{B61BEF0D-F0BB-DE4B-95CE-6DB70DBA9567}" type="datetimeFigureOut">
               <a:rPr lang="en-US" dirty="0"/>
               <a:pPr/>
-              <a:t>4/1/2014</a:t>
+              <a:t>4/3/2014</a:t>
             </a:fld>
             <a:endParaRPr lang="en-US" dirty="0"/>
           </a:p>
@@ -759,7 +762,7 @@
             <a:fld id="{B61BEF0D-F0BB-DE4B-95CE-6DB70DBA9567}" type="datetimeFigureOut">
               <a:rPr lang="en-US" dirty="0"/>
               <a:pPr/>
-              <a:t>4/1/2014</a:t>
+              <a:t>4/3/2014</a:t>
             </a:fld>
             <a:endParaRPr lang="en-US" dirty="0"/>
           </a:p>
@@ -1006,7 +1009,7 @@
             <a:fld id="{B61BEF0D-F0BB-DE4B-95CE-6DB70DBA9567}" type="datetimeFigureOut">
               <a:rPr lang="en-US" dirty="0"/>
               <a:pPr/>
-              <a:t>4/1/2014</a:t>
+              <a:t>4/3/2014</a:t>
             </a:fld>
             <a:endParaRPr lang="en-US" dirty="0"/>
           </a:p>
@@ -1311,7 +1314,7 @@
             <a:fld id="{B61BEF0D-F0BB-DE4B-95CE-6DB70DBA9567}" type="datetimeFigureOut">
               <a:rPr lang="en-US" dirty="0"/>
               <a:pPr/>
-              <a:t>4/1/2014</a:t>
+              <a:t>4/3/2014</a:t>
             </a:fld>
             <a:endParaRPr lang="en-US" dirty="0"/>
           </a:p>
@@ -1626,7 +1629,7 @@
             <a:fld id="{B61BEF0D-F0BB-DE4B-95CE-6DB70DBA9567}" type="datetimeFigureOut">
               <a:rPr lang="en-US" dirty="0"/>
               <a:pPr/>
-              <a:t>4/1/2014</a:t>
+              <a:t>4/3/2014</a:t>
             </a:fld>
             <a:endParaRPr lang="en-US" dirty="0"/>
           </a:p>
@@ -1925,7 +1928,7 @@
             <a:fld id="{B61BEF0D-F0BB-DE4B-95CE-6DB70DBA9567}" type="datetimeFigureOut">
               <a:rPr lang="en-US" dirty="0"/>
               <a:pPr/>
-              <a:t>4/1/2014</a:t>
+              <a:t>4/3/2014</a:t>
             </a:fld>
             <a:endParaRPr lang="en-US" dirty="0"/>
           </a:p>
@@ -2289,7 +2292,7 @@
             <a:fld id="{B61BEF0D-F0BB-DE4B-95CE-6DB70DBA9567}" type="datetimeFigureOut">
               <a:rPr lang="en-US" dirty="0"/>
               <a:pPr/>
-              <a:t>4/1/2014</a:t>
+              <a:t>4/3/2014</a:t>
             </a:fld>
             <a:endParaRPr lang="en-US" dirty="0"/>
           </a:p>
@@ -2460,7 +2463,7 @@
             <a:fld id="{B61BEF0D-F0BB-DE4B-95CE-6DB70DBA9567}" type="datetimeFigureOut">
               <a:rPr lang="en-US" dirty="0"/>
               <a:pPr/>
-              <a:t>4/1/2014</a:t>
+              <a:t>4/3/2014</a:t>
             </a:fld>
             <a:endParaRPr lang="en-US" dirty="0"/>
           </a:p>
@@ -2637,7 +2640,7 @@
             <a:fld id="{B61BEF0D-F0BB-DE4B-95CE-6DB70DBA9567}" type="datetimeFigureOut">
               <a:rPr lang="en-US" dirty="0"/>
               <a:pPr/>
-              <a:t>4/1/2014</a:t>
+              <a:t>4/3/2014</a:t>
             </a:fld>
             <a:endParaRPr lang="en-US" dirty="0"/>
           </a:p>
@@ -2804,7 +2807,7 @@
             <a:fld id="{B61BEF0D-F0BB-DE4B-95CE-6DB70DBA9567}" type="datetimeFigureOut">
               <a:rPr lang="en-US" dirty="0"/>
               <a:pPr/>
-              <a:t>4/1/2014</a:t>
+              <a:t>4/3/2014</a:t>
             </a:fld>
             <a:endParaRPr lang="en-US" dirty="0"/>
           </a:p>
@@ -3051,7 +3054,7 @@
             <a:fld id="{B61BEF0D-F0BB-DE4B-95CE-6DB70DBA9567}" type="datetimeFigureOut">
               <a:rPr lang="en-US" dirty="0"/>
               <a:pPr/>
-              <a:t>4/1/2014</a:t>
+              <a:t>4/3/2014</a:t>
             </a:fld>
             <a:endParaRPr lang="en-US" dirty="0"/>
           </a:p>
@@ -3284,7 +3287,7 @@
             <a:fld id="{B61BEF0D-F0BB-DE4B-95CE-6DB70DBA9567}" type="datetimeFigureOut">
               <a:rPr lang="en-US" dirty="0"/>
               <a:pPr/>
-              <a:t>4/1/2014</a:t>
+              <a:t>4/3/2014</a:t>
             </a:fld>
             <a:endParaRPr lang="en-US" dirty="0"/>
           </a:p>
@@ -3663,7 +3666,7 @@
             <a:fld id="{B61BEF0D-F0BB-DE4B-95CE-6DB70DBA9567}" type="datetimeFigureOut">
               <a:rPr lang="en-US" dirty="0"/>
               <a:pPr/>
-              <a:t>4/1/2014</a:t>
+              <a:t>4/3/2014</a:t>
             </a:fld>
             <a:endParaRPr lang="en-US" dirty="0"/>
           </a:p>
@@ -3778,7 +3781,7 @@
             <a:fld id="{B61BEF0D-F0BB-DE4B-95CE-6DB70DBA9567}" type="datetimeFigureOut">
               <a:rPr lang="en-US" dirty="0"/>
               <a:pPr/>
-              <a:t>4/1/2014</a:t>
+              <a:t>4/3/2014</a:t>
             </a:fld>
             <a:endParaRPr lang="en-US" dirty="0"/>
           </a:p>
@@ -3870,7 +3873,7 @@
             <a:fld id="{B61BEF0D-F0BB-DE4B-95CE-6DB70DBA9567}" type="datetimeFigureOut">
               <a:rPr lang="en-US" dirty="0"/>
               <a:pPr/>
-              <a:t>4/1/2014</a:t>
+              <a:t>4/3/2014</a:t>
             </a:fld>
             <a:endParaRPr lang="en-US" dirty="0"/>
           </a:p>
@@ -4122,7 +4125,7 @@
             <a:fld id="{B61BEF0D-F0BB-DE4B-95CE-6DB70DBA9567}" type="datetimeFigureOut">
               <a:rPr lang="en-US" dirty="0"/>
               <a:pPr/>
-              <a:t>4/1/2014</a:t>
+              <a:t>4/3/2014</a:t>
             </a:fld>
             <a:endParaRPr lang="en-US" dirty="0"/>
           </a:p>
@@ -4402,7 +4405,7 @@
             <a:fld id="{B61BEF0D-F0BB-DE4B-95CE-6DB70DBA9567}" type="datetimeFigureOut">
               <a:rPr lang="en-US" dirty="0"/>
               <a:pPr/>
-              <a:t>4/1/2014</a:t>
+              <a:t>4/3/2014</a:t>
             </a:fld>
             <a:endParaRPr lang="en-US" dirty="0"/>
           </a:p>
@@ -4805,7 +4808,7 @@
             <a:fld id="{B61BEF0D-F0BB-DE4B-95CE-6DB70DBA9567}" type="datetimeFigureOut">
               <a:rPr lang="en-US" dirty="0"/>
               <a:pPr/>
-              <a:t>4/1/2014</a:t>
+              <a:t>4/3/2014</a:t>
             </a:fld>
             <a:endParaRPr lang="en-US" dirty="0"/>
           </a:p>
@@ -5378,7 +5381,7 @@
           <a:bodyPr/>
           <a:lstStyle/>
           <a:p>
-            <a:endParaRPr lang="zh-CN" altLang="en-US"/>
+            <a:endParaRPr lang="zh-CN" altLang="en-US" dirty="0"/>
           </a:p>
         </p:txBody>
       </p:sp>
@@ -6612,44 +6615,6 @@
       </p:cxnSp>
       <p:sp>
         <p:nvSpPr>
-          <p:cNvPr id="61" name="文本框 60"/>
-          <p:cNvSpPr txBox="1"/>
-          <p:nvPr/>
-        </p:nvSpPr>
-        <p:spPr>
-          <a:xfrm>
-            <a:off x="11417829" y="2882382"/>
-            <a:ext cx="461665" cy="1002839"/>
-          </a:xfrm>
-          <a:prstGeom prst="rect">
-            <a:avLst/>
-          </a:prstGeom>
-          <a:noFill/>
-        </p:spPr>
-        <p:txBody>
-          <a:bodyPr vert="eaVert" wrap="none" rtlCol="0">
-            <a:spAutoFit/>
-          </a:bodyPr>
-          <a:lstStyle/>
-          <a:p>
-            <a:r>
-              <a:rPr lang="zh-CN" altLang="en-US" b="1" dirty="0" smtClean="0">
-                <a:solidFill>
-                  <a:srgbClr val="002060"/>
-                </a:solidFill>
-              </a:rPr>
-              <a:t>依赖注入</a:t>
-            </a:r>
-            <a:endParaRPr lang="zh-CN" altLang="en-US" b="1" dirty="0">
-              <a:solidFill>
-                <a:srgbClr val="002060"/>
-              </a:solidFill>
-            </a:endParaRPr>
-          </a:p>
-        </p:txBody>
-      </p:sp>
-      <p:sp>
-        <p:nvSpPr>
           <p:cNvPr id="62" name="流程图: 磁盘 61"/>
           <p:cNvSpPr/>
           <p:nvPr/>
@@ -7373,7 +7338,7 @@
         </p:nvSpPr>
         <p:spPr>
           <a:xfrm>
-            <a:off x="147487" y="3290711"/>
+            <a:off x="671245" y="206038"/>
             <a:ext cx="1613720" cy="609600"/>
           </a:xfrm>
           <a:prstGeom prst="rect">
@@ -7541,7 +7506,7 @@
         </p:nvSpPr>
         <p:spPr>
           <a:xfrm>
-            <a:off x="3272911" y="1503019"/>
+            <a:off x="3261044" y="1414226"/>
             <a:ext cx="2539182" cy="609600"/>
           </a:xfrm>
           <a:prstGeom prst="rect">
@@ -7896,79 +7861,6 @@
             <a:avLst/>
           </a:prstGeom>
           <a:ln>
-            <a:tailEnd type="triangle"/>
-          </a:ln>
-        </p:spPr>
-        <p:style>
-          <a:lnRef idx="3">
-            <a:schemeClr val="accent6"/>
-          </a:lnRef>
-          <a:fillRef idx="0">
-            <a:schemeClr val="accent6"/>
-          </a:fillRef>
-          <a:effectRef idx="2">
-            <a:schemeClr val="accent6"/>
-          </a:effectRef>
-          <a:fontRef idx="minor">
-            <a:schemeClr val="tx1"/>
-          </a:fontRef>
-        </p:style>
-      </p:cxnSp>
-      <p:cxnSp>
-        <p:nvCxnSpPr>
-          <p:cNvPr id="22" name="直接箭头连接符 21"/>
-          <p:cNvCxnSpPr>
-            <a:stCxn id="47" idx="3"/>
-          </p:cNvCxnSpPr>
-          <p:nvPr/>
-        </p:nvCxnSpPr>
-        <p:spPr>
-          <a:xfrm>
-            <a:off x="5812093" y="815638"/>
-            <a:ext cx="883675" cy="699261"/>
-          </a:xfrm>
-          <a:prstGeom prst="straightConnector1">
-            <a:avLst/>
-          </a:prstGeom>
-          <a:ln>
-            <a:prstDash val="sysDash"/>
-            <a:tailEnd type="triangle"/>
-          </a:ln>
-        </p:spPr>
-        <p:style>
-          <a:lnRef idx="3">
-            <a:schemeClr val="accent6"/>
-          </a:lnRef>
-          <a:fillRef idx="0">
-            <a:schemeClr val="accent6"/>
-          </a:fillRef>
-          <a:effectRef idx="2">
-            <a:schemeClr val="accent6"/>
-          </a:effectRef>
-          <a:fontRef idx="minor">
-            <a:schemeClr val="tx1"/>
-          </a:fontRef>
-        </p:style>
-      </p:cxnSp>
-      <p:cxnSp>
-        <p:nvCxnSpPr>
-          <p:cNvPr id="35" name="直接箭头连接符 34"/>
-          <p:cNvCxnSpPr>
-            <a:stCxn id="49" idx="3"/>
-            <a:endCxn id="55" idx="1"/>
-          </p:cNvCxnSpPr>
-          <p:nvPr/>
-        </p:nvCxnSpPr>
-        <p:spPr>
-          <a:xfrm flipV="1">
-            <a:off x="5812093" y="1796948"/>
-            <a:ext cx="883675" cy="10871"/>
-          </a:xfrm>
-          <a:prstGeom prst="straightConnector1">
-            <a:avLst/>
-          </a:prstGeom>
-          <a:ln>
-            <a:prstDash val="sysDash"/>
             <a:tailEnd type="triangle"/>
           </a:ln>
         </p:spPr>
@@ -8067,12 +7959,12 @@
         </p:nvCxnSpPr>
         <p:spPr>
           <a:xfrm>
-            <a:off x="2428568" y="363794"/>
-            <a:ext cx="8249264" cy="6088612"/>
+            <a:off x="3053953" y="389614"/>
+            <a:ext cx="7623879" cy="6062792"/>
           </a:xfrm>
           <a:prstGeom prst="bentConnector3">
             <a:avLst>
-              <a:gd name="adj1" fmla="val 298"/>
+              <a:gd name="adj1" fmla="val -61"/>
             </a:avLst>
           </a:prstGeom>
         </p:spPr>
@@ -8099,7 +7991,7 @@
         </p:nvCxnSpPr>
         <p:spPr>
           <a:xfrm flipH="1">
-            <a:off x="1818968" y="3632308"/>
+            <a:off x="2444353" y="396128"/>
             <a:ext cx="609600" cy="0"/>
           </a:xfrm>
           <a:prstGeom prst="straightConnector1">
@@ -8179,8 +8071,9 @@
             <a:avLst/>
           </a:prstGeom>
           <a:ln>
-            <a:prstDash val="sysDash"/>
-            <a:tailEnd type="triangle"/>
+            <a:prstDash val="solid"/>
+            <a:headEnd type="triangle"/>
+            <a:tailEnd type="none"/>
           </a:ln>
         </p:spPr>
         <p:style>
@@ -8565,78 +8458,6 @@
       </p:sp>
       <p:cxnSp>
         <p:nvCxnSpPr>
-          <p:cNvPr id="210" name="直接箭头连接符 209"/>
-          <p:cNvCxnSpPr/>
-          <p:nvPr/>
-        </p:nvCxnSpPr>
-        <p:spPr>
-          <a:xfrm flipV="1">
-            <a:off x="10985056" y="5879233"/>
-            <a:ext cx="929692" cy="20731"/>
-          </a:xfrm>
-          <a:prstGeom prst="straightConnector1">
-            <a:avLst/>
-          </a:prstGeom>
-          <a:ln>
-            <a:prstDash val="sysDash"/>
-            <a:tailEnd type="triangle"/>
-          </a:ln>
-        </p:spPr>
-        <p:style>
-          <a:lnRef idx="3">
-            <a:schemeClr val="accent6"/>
-          </a:lnRef>
-          <a:fillRef idx="0">
-            <a:schemeClr val="accent6"/>
-          </a:fillRef>
-          <a:effectRef idx="2">
-            <a:schemeClr val="accent6"/>
-          </a:effectRef>
-          <a:fontRef idx="minor">
-            <a:schemeClr val="tx1"/>
-          </a:fontRef>
-        </p:style>
-      </p:cxnSp>
-      <p:sp>
-        <p:nvSpPr>
-          <p:cNvPr id="214" name="文本框 213"/>
-          <p:cNvSpPr txBox="1"/>
-          <p:nvPr/>
-        </p:nvSpPr>
-        <p:spPr>
-          <a:xfrm>
-            <a:off x="10931148" y="5520509"/>
-            <a:ext cx="902811" cy="307777"/>
-          </a:xfrm>
-          <a:prstGeom prst="rect">
-            <a:avLst/>
-          </a:prstGeom>
-          <a:noFill/>
-        </p:spPr>
-        <p:txBody>
-          <a:bodyPr wrap="none" rtlCol="0">
-            <a:spAutoFit/>
-          </a:bodyPr>
-          <a:lstStyle/>
-          <a:p>
-            <a:r>
-              <a:rPr lang="zh-CN" altLang="en-US" sz="1400" dirty="0" smtClean="0">
-                <a:solidFill>
-                  <a:srgbClr val="002060"/>
-                </a:solidFill>
-              </a:rPr>
-              <a:t>依赖倒置</a:t>
-            </a:r>
-            <a:endParaRPr lang="zh-CN" altLang="en-US" sz="1400" dirty="0">
-              <a:solidFill>
-                <a:srgbClr val="002060"/>
-              </a:solidFill>
-            </a:endParaRPr>
-          </a:p>
-        </p:txBody>
-      </p:sp>
-      <p:cxnSp>
-        <p:nvCxnSpPr>
           <p:cNvPr id="216" name="直接箭头连接符 215"/>
           <p:cNvCxnSpPr>
             <a:stCxn id="58" idx="0"/>
@@ -8654,6 +8475,205 @@
           </a:prstGeom>
           <a:ln>
             <a:tailEnd type="triangle"/>
+          </a:ln>
+        </p:spPr>
+        <p:style>
+          <a:lnRef idx="3">
+            <a:schemeClr val="accent6"/>
+          </a:lnRef>
+          <a:fillRef idx="0">
+            <a:schemeClr val="accent6"/>
+          </a:fillRef>
+          <a:effectRef idx="2">
+            <a:schemeClr val="accent6"/>
+          </a:effectRef>
+          <a:fontRef idx="minor">
+            <a:schemeClr val="tx1"/>
+          </a:fontRef>
+        </p:style>
+      </p:cxnSp>
+      <p:pic>
+        <p:nvPicPr>
+          <p:cNvPr id="219" name="图片 218"/>
+          <p:cNvPicPr>
+            <a:picLocks noChangeAspect="1"/>
+          </p:cNvPicPr>
+          <p:nvPr/>
+        </p:nvPicPr>
+        <p:blipFill>
+          <a:blip r:embed="rId2"/>
+          <a:stretch>
+            <a:fillRect/>
+          </a:stretch>
+        </p:blipFill>
+        <p:spPr>
+          <a:xfrm>
+            <a:off x="110696" y="3223800"/>
+            <a:ext cx="2780371" cy="2941393"/>
+          </a:xfrm>
+          <a:prstGeom prst="rect">
+            <a:avLst/>
+          </a:prstGeom>
+          <a:ln>
+            <a:noFill/>
+          </a:ln>
+          <a:effectLst>
+            <a:outerShdw blurRad="190500" algn="tl" rotWithShape="0">
+              <a:srgbClr val="000000">
+                <a:alpha val="70000"/>
+              </a:srgbClr>
+            </a:outerShdw>
+          </a:effectLst>
+        </p:spPr>
+      </p:pic>
+      <p:sp>
+        <p:nvSpPr>
+          <p:cNvPr id="38" name="矩形 37"/>
+          <p:cNvSpPr/>
+          <p:nvPr/>
+        </p:nvSpPr>
+        <p:spPr>
+          <a:xfrm>
+            <a:off x="170642" y="1120438"/>
+            <a:ext cx="1613720" cy="609600"/>
+          </a:xfrm>
+          <a:prstGeom prst="rect">
+            <a:avLst/>
+          </a:prstGeom>
+        </p:spPr>
+        <p:style>
+          <a:lnRef idx="1">
+            <a:schemeClr val="accent4"/>
+          </a:lnRef>
+          <a:fillRef idx="2">
+            <a:schemeClr val="accent4"/>
+          </a:fillRef>
+          <a:effectRef idx="1">
+            <a:schemeClr val="accent4"/>
+          </a:effectRef>
+          <a:fontRef idx="minor">
+            <a:schemeClr val="dk1"/>
+          </a:fontRef>
+        </p:style>
+        <p:txBody>
+          <a:bodyPr rtlCol="0" anchor="ctr"/>
+          <a:lstStyle/>
+          <a:p>
+            <a:pPr algn="ctr"/>
+            <a:r>
+              <a:rPr lang="en-US" altLang="zh-CN" sz="1400" dirty="0" err="1" smtClean="0"/>
+              <a:t>Chanjet.TP.LogAdapter</a:t>
+            </a:r>
+            <a:endParaRPr lang="zh-CN" altLang="en-US" sz="1400" dirty="0"/>
+          </a:p>
+        </p:txBody>
+      </p:sp>
+      <p:sp>
+        <p:nvSpPr>
+          <p:cNvPr id="39" name="矩形 38"/>
+          <p:cNvSpPr/>
+          <p:nvPr/>
+        </p:nvSpPr>
+        <p:spPr>
+          <a:xfrm>
+            <a:off x="148933" y="2065713"/>
+            <a:ext cx="1613720" cy="609600"/>
+          </a:xfrm>
+          <a:prstGeom prst="rect">
+            <a:avLst/>
+          </a:prstGeom>
+        </p:spPr>
+        <p:style>
+          <a:lnRef idx="1">
+            <a:schemeClr val="accent4"/>
+          </a:lnRef>
+          <a:fillRef idx="2">
+            <a:schemeClr val="accent4"/>
+          </a:fillRef>
+          <a:effectRef idx="1">
+            <a:schemeClr val="accent4"/>
+          </a:effectRef>
+          <a:fontRef idx="minor">
+            <a:schemeClr val="dk1"/>
+          </a:fontRef>
+        </p:style>
+        <p:txBody>
+          <a:bodyPr rtlCol="0" anchor="ctr"/>
+          <a:lstStyle/>
+          <a:p>
+            <a:pPr algn="ctr"/>
+            <a:r>
+              <a:rPr lang="en-US" altLang="zh-CN" sz="1400" dirty="0" err="1" smtClean="0"/>
+              <a:t>Chanjet.TP.CacheAdapter</a:t>
+            </a:r>
+            <a:endParaRPr lang="zh-CN" altLang="en-US" sz="1400" dirty="0"/>
+          </a:p>
+        </p:txBody>
+      </p:sp>
+      <p:cxnSp>
+        <p:nvCxnSpPr>
+          <p:cNvPr id="41" name="曲线连接符 40"/>
+          <p:cNvCxnSpPr>
+            <a:stCxn id="4" idx="2"/>
+            <a:endCxn id="38" idx="0"/>
+          </p:cNvCxnSpPr>
+          <p:nvPr/>
+        </p:nvCxnSpPr>
+        <p:spPr>
+          <a:xfrm rot="5400000">
+            <a:off x="1075404" y="717737"/>
+            <a:ext cx="304800" cy="500603"/>
+          </a:xfrm>
+          <a:prstGeom prst="curvedConnector3">
+            <a:avLst>
+              <a:gd name="adj1" fmla="val 50000"/>
+            </a:avLst>
+          </a:prstGeom>
+          <a:ln>
+            <a:prstDash val="solid"/>
+            <a:headEnd type="triangle"/>
+            <a:tailEnd type="none"/>
+          </a:ln>
+        </p:spPr>
+        <p:style>
+          <a:lnRef idx="3">
+            <a:schemeClr val="accent6"/>
+          </a:lnRef>
+          <a:fillRef idx="0">
+            <a:schemeClr val="accent6"/>
+          </a:fillRef>
+          <a:effectRef idx="2">
+            <a:schemeClr val="accent6"/>
+          </a:effectRef>
+          <a:fontRef idx="minor">
+            <a:schemeClr val="tx1"/>
+          </a:fontRef>
+        </p:style>
+      </p:cxnSp>
+      <p:cxnSp>
+        <p:nvCxnSpPr>
+          <p:cNvPr id="46" name="曲线连接符 45"/>
+          <p:cNvCxnSpPr>
+            <a:stCxn id="4" idx="2"/>
+            <a:endCxn id="39" idx="3"/>
+          </p:cNvCxnSpPr>
+          <p:nvPr/>
+        </p:nvCxnSpPr>
+        <p:spPr>
+          <a:xfrm rot="16200000" flipH="1">
+            <a:off x="842942" y="1450801"/>
+            <a:ext cx="1554875" cy="284548"/>
+          </a:xfrm>
+          <a:prstGeom prst="curvedConnector4">
+            <a:avLst>
+              <a:gd name="adj1" fmla="val 40199"/>
+              <a:gd name="adj2" fmla="val 363896"/>
+            </a:avLst>
+          </a:prstGeom>
+          <a:ln>
+            <a:prstDash val="solid"/>
+            <a:headEnd type="triangle"/>
+            <a:tailEnd type="none"/>
           </a:ln>
         </p:spPr>
         <p:style>
@@ -8692,1217 +8712,6 @@
 </file>
 
 <file path=ppt/slides/slide4.xml><?xml version="1.0" encoding="utf-8"?>
-<p:sld xmlns:a="http://schemas.openxmlformats.org/drawingml/2006/main" xmlns:r="http://schemas.openxmlformats.org/officeDocument/2006/relationships" xmlns:p="http://schemas.openxmlformats.org/presentationml/2006/main">
-  <p:cSld>
-    <p:spTree>
-      <p:nvGrpSpPr>
-        <p:cNvPr id="1" name=""/>
-        <p:cNvGrpSpPr/>
-        <p:nvPr/>
-      </p:nvGrpSpPr>
-      <p:grpSpPr>
-        <a:xfrm>
-          <a:off x="0" y="0"/>
-          <a:ext cx="0" cy="0"/>
-          <a:chOff x="0" y="0"/>
-          <a:chExt cx="0" cy="0"/>
-        </a:xfrm>
-      </p:grpSpPr>
-      <p:sp>
-        <p:nvSpPr>
-          <p:cNvPr id="2" name="标题 1"/>
-          <p:cNvSpPr>
-            <a:spLocks noGrp="1"/>
-          </p:cNvSpPr>
-          <p:nvPr>
-            <p:ph type="title"/>
-          </p:nvPr>
-        </p:nvSpPr>
-        <p:spPr>
-          <a:xfrm>
-            <a:off x="0" y="5698873"/>
-            <a:ext cx="8534400" cy="1507067"/>
-          </a:xfrm>
-        </p:spPr>
-        <p:txBody>
-          <a:bodyPr/>
-          <a:lstStyle/>
-          <a:p>
-            <a:r>
-              <a:rPr lang="zh-CN" altLang="en-US" dirty="0" smtClean="0"/>
-              <a:t>对应</a:t>
-            </a:r>
-            <a:endParaRPr lang="zh-CN" altLang="en-US" dirty="0"/>
-          </a:p>
-        </p:txBody>
-      </p:sp>
-      <p:sp>
-        <p:nvSpPr>
-          <p:cNvPr id="3" name="圆角矩形 2"/>
-          <p:cNvSpPr/>
-          <p:nvPr/>
-        </p:nvSpPr>
-        <p:spPr>
-          <a:xfrm>
-            <a:off x="698775" y="2096714"/>
-            <a:ext cx="1582994" cy="397614"/>
-          </a:xfrm>
-          <a:prstGeom prst="roundRect">
-            <a:avLst/>
-          </a:prstGeom>
-        </p:spPr>
-        <p:style>
-          <a:lnRef idx="1">
-            <a:schemeClr val="dk1"/>
-          </a:lnRef>
-          <a:fillRef idx="2">
-            <a:schemeClr val="dk1"/>
-          </a:fillRef>
-          <a:effectRef idx="1">
-            <a:schemeClr val="dk1"/>
-          </a:effectRef>
-          <a:fontRef idx="minor">
-            <a:schemeClr val="dk1"/>
-          </a:fontRef>
-        </p:style>
-        <p:txBody>
-          <a:bodyPr rtlCol="0" anchor="ctr"/>
-          <a:lstStyle/>
-          <a:p>
-            <a:pPr algn="ctr"/>
-            <a:r>
-              <a:rPr lang="en-US" altLang="zh-CN" dirty="0" smtClean="0"/>
-              <a:t>UIP</a:t>
-            </a:r>
-            <a:endParaRPr lang="zh-CN" altLang="en-US" dirty="0"/>
-          </a:p>
-        </p:txBody>
-      </p:sp>
-      <p:sp>
-        <p:nvSpPr>
-          <p:cNvPr id="30" name="圆角矩形 29"/>
-          <p:cNvSpPr/>
-          <p:nvPr/>
-        </p:nvSpPr>
-        <p:spPr>
-          <a:xfrm>
-            <a:off x="698775" y="2612566"/>
-            <a:ext cx="1582994" cy="397614"/>
-          </a:xfrm>
-          <a:prstGeom prst="roundRect">
-            <a:avLst/>
-          </a:prstGeom>
-        </p:spPr>
-        <p:style>
-          <a:lnRef idx="1">
-            <a:schemeClr val="accent2"/>
-          </a:lnRef>
-          <a:fillRef idx="2">
-            <a:schemeClr val="accent2"/>
-          </a:fillRef>
-          <a:effectRef idx="1">
-            <a:schemeClr val="accent2"/>
-          </a:effectRef>
-          <a:fontRef idx="minor">
-            <a:schemeClr val="dk1"/>
-          </a:fontRef>
-        </p:style>
-        <p:txBody>
-          <a:bodyPr rtlCol="0" anchor="ctr"/>
-          <a:lstStyle/>
-          <a:p>
-            <a:pPr algn="ctr"/>
-            <a:r>
-              <a:rPr lang="en-US" altLang="zh-CN" dirty="0" smtClean="0"/>
-              <a:t>AOP</a:t>
-            </a:r>
-            <a:endParaRPr lang="zh-CN" altLang="en-US" dirty="0"/>
-          </a:p>
-        </p:txBody>
-      </p:sp>
-      <p:sp>
-        <p:nvSpPr>
-          <p:cNvPr id="32" name="圆角矩形 31"/>
-          <p:cNvSpPr/>
-          <p:nvPr/>
-        </p:nvSpPr>
-        <p:spPr>
-          <a:xfrm>
-            <a:off x="6482259" y="4118504"/>
-            <a:ext cx="1582994" cy="397614"/>
-          </a:xfrm>
-          <a:prstGeom prst="roundRect">
-            <a:avLst/>
-          </a:prstGeom>
-        </p:spPr>
-        <p:style>
-          <a:lnRef idx="1">
-            <a:schemeClr val="accent3"/>
-          </a:lnRef>
-          <a:fillRef idx="2">
-            <a:schemeClr val="accent3"/>
-          </a:fillRef>
-          <a:effectRef idx="1">
-            <a:schemeClr val="accent3"/>
-          </a:effectRef>
-          <a:fontRef idx="minor">
-            <a:schemeClr val="dk1"/>
-          </a:fontRef>
-        </p:style>
-        <p:txBody>
-          <a:bodyPr rtlCol="0" anchor="ctr"/>
-          <a:lstStyle/>
-          <a:p>
-            <a:pPr algn="ctr"/>
-            <a:r>
-              <a:rPr lang="en-US" altLang="zh-CN" dirty="0" err="1" smtClean="0"/>
-              <a:t>Inteterface</a:t>
-            </a:r>
-            <a:endParaRPr lang="zh-CN" altLang="en-US" dirty="0"/>
-          </a:p>
-        </p:txBody>
-      </p:sp>
-      <p:sp>
-        <p:nvSpPr>
-          <p:cNvPr id="33" name="圆角矩形 32"/>
-          <p:cNvSpPr/>
-          <p:nvPr/>
-        </p:nvSpPr>
-        <p:spPr>
-          <a:xfrm>
-            <a:off x="6482259" y="4636445"/>
-            <a:ext cx="1582994" cy="397614"/>
-          </a:xfrm>
-          <a:prstGeom prst="roundRect">
-            <a:avLst/>
-          </a:prstGeom>
-        </p:spPr>
-        <p:style>
-          <a:lnRef idx="1">
-            <a:schemeClr val="accent3"/>
-          </a:lnRef>
-          <a:fillRef idx="2">
-            <a:schemeClr val="accent3"/>
-          </a:fillRef>
-          <a:effectRef idx="1">
-            <a:schemeClr val="accent3"/>
-          </a:effectRef>
-          <a:fontRef idx="minor">
-            <a:schemeClr val="dk1"/>
-          </a:fontRef>
-        </p:style>
-        <p:txBody>
-          <a:bodyPr rtlCol="0" anchor="ctr"/>
-          <a:lstStyle/>
-          <a:p>
-            <a:pPr algn="ctr"/>
-            <a:r>
-              <a:rPr lang="en-US" altLang="zh-CN" dirty="0" smtClean="0"/>
-              <a:t>Service</a:t>
-            </a:r>
-            <a:endParaRPr lang="zh-CN" altLang="en-US" dirty="0"/>
-          </a:p>
-        </p:txBody>
-      </p:sp>
-      <p:sp>
-        <p:nvSpPr>
-          <p:cNvPr id="37" name="圆角矩形 36"/>
-          <p:cNvSpPr/>
-          <p:nvPr/>
-        </p:nvSpPr>
-        <p:spPr>
-          <a:xfrm>
-            <a:off x="698775" y="269804"/>
-            <a:ext cx="1582994" cy="397614"/>
-          </a:xfrm>
-          <a:prstGeom prst="roundRect">
-            <a:avLst/>
-          </a:prstGeom>
-        </p:spPr>
-        <p:style>
-          <a:lnRef idx="1">
-            <a:schemeClr val="dk1"/>
-          </a:lnRef>
-          <a:fillRef idx="2">
-            <a:schemeClr val="dk1"/>
-          </a:fillRef>
-          <a:effectRef idx="1">
-            <a:schemeClr val="dk1"/>
-          </a:effectRef>
-          <a:fontRef idx="minor">
-            <a:schemeClr val="dk1"/>
-          </a:fontRef>
-        </p:style>
-        <p:txBody>
-          <a:bodyPr rtlCol="0" anchor="ctr"/>
-          <a:lstStyle/>
-          <a:p>
-            <a:pPr algn="ctr"/>
-            <a:r>
-              <a:rPr lang="en-US" altLang="zh-CN" dirty="0" smtClean="0"/>
-              <a:t>JS</a:t>
-            </a:r>
-            <a:endParaRPr lang="zh-CN" altLang="en-US" dirty="0"/>
-          </a:p>
-        </p:txBody>
-      </p:sp>
-      <p:sp>
-        <p:nvSpPr>
-          <p:cNvPr id="38" name="圆角矩形 37"/>
-          <p:cNvSpPr/>
-          <p:nvPr/>
-        </p:nvSpPr>
-        <p:spPr>
-          <a:xfrm>
-            <a:off x="698775" y="713665"/>
-            <a:ext cx="1582994" cy="397614"/>
-          </a:xfrm>
-          <a:prstGeom prst="roundRect">
-            <a:avLst/>
-          </a:prstGeom>
-        </p:spPr>
-        <p:style>
-          <a:lnRef idx="1">
-            <a:schemeClr val="dk1"/>
-          </a:lnRef>
-          <a:fillRef idx="2">
-            <a:schemeClr val="dk1"/>
-          </a:fillRef>
-          <a:effectRef idx="1">
-            <a:schemeClr val="dk1"/>
-          </a:effectRef>
-          <a:fontRef idx="minor">
-            <a:schemeClr val="dk1"/>
-          </a:fontRef>
-        </p:style>
-        <p:txBody>
-          <a:bodyPr rtlCol="0" anchor="ctr"/>
-          <a:lstStyle/>
-          <a:p>
-            <a:pPr algn="ctr"/>
-            <a:r>
-              <a:rPr lang="en-US" altLang="zh-CN" dirty="0"/>
-              <a:t>CSS</a:t>
-            </a:r>
-            <a:endParaRPr lang="zh-CN" altLang="en-US" dirty="0"/>
-          </a:p>
-        </p:txBody>
-      </p:sp>
-      <p:sp>
-        <p:nvSpPr>
-          <p:cNvPr id="39" name="圆角矩形 38"/>
-          <p:cNvSpPr/>
-          <p:nvPr/>
-        </p:nvSpPr>
-        <p:spPr>
-          <a:xfrm>
-            <a:off x="698775" y="1157526"/>
-            <a:ext cx="1582994" cy="397614"/>
-          </a:xfrm>
-          <a:prstGeom prst="roundRect">
-            <a:avLst/>
-          </a:prstGeom>
-        </p:spPr>
-        <p:style>
-          <a:lnRef idx="1">
-            <a:schemeClr val="dk1"/>
-          </a:lnRef>
-          <a:fillRef idx="2">
-            <a:schemeClr val="dk1"/>
-          </a:fillRef>
-          <a:effectRef idx="1">
-            <a:schemeClr val="dk1"/>
-          </a:effectRef>
-          <a:fontRef idx="minor">
-            <a:schemeClr val="dk1"/>
-          </a:fontRef>
-        </p:style>
-        <p:txBody>
-          <a:bodyPr rtlCol="0" anchor="ctr"/>
-          <a:lstStyle/>
-          <a:p>
-            <a:pPr algn="ctr"/>
-            <a:r>
-              <a:rPr lang="en-US" altLang="zh-CN" dirty="0" smtClean="0"/>
-              <a:t>Page</a:t>
-            </a:r>
-            <a:endParaRPr lang="zh-CN" altLang="en-US" dirty="0"/>
-          </a:p>
-        </p:txBody>
-      </p:sp>
-      <p:sp>
-        <p:nvSpPr>
-          <p:cNvPr id="40" name="圆角矩形 39"/>
-          <p:cNvSpPr/>
-          <p:nvPr/>
-        </p:nvSpPr>
-        <p:spPr>
-          <a:xfrm>
-            <a:off x="698775" y="1618987"/>
-            <a:ext cx="1582994" cy="397614"/>
-          </a:xfrm>
-          <a:prstGeom prst="roundRect">
-            <a:avLst/>
-          </a:prstGeom>
-        </p:spPr>
-        <p:style>
-          <a:lnRef idx="1">
-            <a:schemeClr val="dk1"/>
-          </a:lnRef>
-          <a:fillRef idx="2">
-            <a:schemeClr val="dk1"/>
-          </a:fillRef>
-          <a:effectRef idx="1">
-            <a:schemeClr val="dk1"/>
-          </a:effectRef>
-          <a:fontRef idx="minor">
-            <a:schemeClr val="dk1"/>
-          </a:fontRef>
-        </p:style>
-        <p:txBody>
-          <a:bodyPr rtlCol="0" anchor="ctr"/>
-          <a:lstStyle/>
-          <a:p>
-            <a:pPr algn="ctr"/>
-            <a:r>
-              <a:rPr lang="en-US" altLang="zh-CN" dirty="0" smtClean="0"/>
-              <a:t>Control</a:t>
-            </a:r>
-            <a:endParaRPr lang="zh-CN" altLang="en-US" dirty="0"/>
-          </a:p>
-        </p:txBody>
-      </p:sp>
-      <p:sp>
-        <p:nvSpPr>
-          <p:cNvPr id="5" name="右箭头 4"/>
-          <p:cNvSpPr/>
-          <p:nvPr/>
-        </p:nvSpPr>
-        <p:spPr>
-          <a:xfrm>
-            <a:off x="2409588" y="1226808"/>
-            <a:ext cx="1592826" cy="339998"/>
-          </a:xfrm>
-          <a:prstGeom prst="rightArrow">
-            <a:avLst/>
-          </a:prstGeom>
-        </p:spPr>
-        <p:style>
-          <a:lnRef idx="1">
-            <a:schemeClr val="dk1"/>
-          </a:lnRef>
-          <a:fillRef idx="2">
-            <a:schemeClr val="dk1"/>
-          </a:fillRef>
-          <a:effectRef idx="1">
-            <a:schemeClr val="dk1"/>
-          </a:effectRef>
-          <a:fontRef idx="minor">
-            <a:schemeClr val="dk1"/>
-          </a:fontRef>
-        </p:style>
-        <p:txBody>
-          <a:bodyPr rtlCol="0" anchor="ctr"/>
-          <a:lstStyle/>
-          <a:p>
-            <a:pPr algn="ctr"/>
-            <a:endParaRPr lang="zh-CN" altLang="en-US"/>
-          </a:p>
-        </p:txBody>
-      </p:sp>
-      <p:sp>
-        <p:nvSpPr>
-          <p:cNvPr id="41" name="圆角矩形 40"/>
-          <p:cNvSpPr/>
-          <p:nvPr/>
-        </p:nvSpPr>
-        <p:spPr>
-          <a:xfrm>
-            <a:off x="4002414" y="1169192"/>
-            <a:ext cx="1582994" cy="397614"/>
-          </a:xfrm>
-          <a:prstGeom prst="roundRect">
-            <a:avLst/>
-          </a:prstGeom>
-        </p:spPr>
-        <p:style>
-          <a:lnRef idx="1">
-            <a:schemeClr val="dk1"/>
-          </a:lnRef>
-          <a:fillRef idx="3">
-            <a:schemeClr val="dk1"/>
-          </a:fillRef>
-          <a:effectRef idx="2">
-            <a:schemeClr val="dk1"/>
-          </a:effectRef>
-          <a:fontRef idx="minor">
-            <a:schemeClr val="lt1"/>
-          </a:fontRef>
-        </p:style>
-        <p:txBody>
-          <a:bodyPr rtlCol="0" anchor="ctr"/>
-          <a:lstStyle/>
-          <a:p>
-            <a:pPr algn="ctr"/>
-            <a:r>
-              <a:rPr lang="zh-CN" altLang="en-US" dirty="0" smtClean="0"/>
-              <a:t>前端框架</a:t>
-            </a:r>
-            <a:endParaRPr lang="zh-CN" altLang="en-US" dirty="0"/>
-          </a:p>
-        </p:txBody>
-      </p:sp>
-      <p:sp>
-        <p:nvSpPr>
-          <p:cNvPr id="42" name="右箭头 41"/>
-          <p:cNvSpPr/>
-          <p:nvPr/>
-        </p:nvSpPr>
-        <p:spPr>
-          <a:xfrm>
-            <a:off x="2409588" y="2641374"/>
-            <a:ext cx="1592826" cy="339998"/>
-          </a:xfrm>
-          <a:prstGeom prst="rightArrow">
-            <a:avLst/>
-          </a:prstGeom>
-        </p:spPr>
-        <p:style>
-          <a:lnRef idx="1">
-            <a:schemeClr val="accent2"/>
-          </a:lnRef>
-          <a:fillRef idx="2">
-            <a:schemeClr val="accent2"/>
-          </a:fillRef>
-          <a:effectRef idx="1">
-            <a:schemeClr val="accent2"/>
-          </a:effectRef>
-          <a:fontRef idx="minor">
-            <a:schemeClr val="dk1"/>
-          </a:fontRef>
-        </p:style>
-        <p:txBody>
-          <a:bodyPr rtlCol="0" anchor="ctr"/>
-          <a:lstStyle/>
-          <a:p>
-            <a:pPr algn="ctr"/>
-            <a:endParaRPr lang="zh-CN" altLang="en-US"/>
-          </a:p>
-        </p:txBody>
-      </p:sp>
-      <p:sp>
-        <p:nvSpPr>
-          <p:cNvPr id="43" name="圆角矩形 42"/>
-          <p:cNvSpPr/>
-          <p:nvPr/>
-        </p:nvSpPr>
-        <p:spPr>
-          <a:xfrm>
-            <a:off x="4002414" y="1856123"/>
-            <a:ext cx="1582994" cy="397614"/>
-          </a:xfrm>
-          <a:prstGeom prst="roundRect">
-            <a:avLst/>
-          </a:prstGeom>
-        </p:spPr>
-        <p:style>
-          <a:lnRef idx="1">
-            <a:schemeClr val="accent2"/>
-          </a:lnRef>
-          <a:fillRef idx="3">
-            <a:schemeClr val="accent2"/>
-          </a:fillRef>
-          <a:effectRef idx="2">
-            <a:schemeClr val="accent2"/>
-          </a:effectRef>
-          <a:fontRef idx="minor">
-            <a:schemeClr val="lt1"/>
-          </a:fontRef>
-        </p:style>
-        <p:txBody>
-          <a:bodyPr rtlCol="0" anchor="ctr"/>
-          <a:lstStyle/>
-          <a:p>
-            <a:pPr algn="ctr"/>
-            <a:r>
-              <a:rPr lang="en-US" altLang="zh-CN" dirty="0" err="1" smtClean="0"/>
-              <a:t>IoC</a:t>
-            </a:r>
-            <a:endParaRPr lang="zh-CN" altLang="en-US" dirty="0"/>
-          </a:p>
-        </p:txBody>
-      </p:sp>
-      <p:sp>
-        <p:nvSpPr>
-          <p:cNvPr id="46" name="圆角矩形 45"/>
-          <p:cNvSpPr/>
-          <p:nvPr/>
-        </p:nvSpPr>
-        <p:spPr>
-          <a:xfrm>
-            <a:off x="4002414" y="2359971"/>
-            <a:ext cx="1582994" cy="397614"/>
-          </a:xfrm>
-          <a:prstGeom prst="roundRect">
-            <a:avLst/>
-          </a:prstGeom>
-        </p:spPr>
-        <p:style>
-          <a:lnRef idx="1">
-            <a:schemeClr val="accent2"/>
-          </a:lnRef>
-          <a:fillRef idx="3">
-            <a:schemeClr val="accent2"/>
-          </a:fillRef>
-          <a:effectRef idx="2">
-            <a:schemeClr val="accent2"/>
-          </a:effectRef>
-          <a:fontRef idx="minor">
-            <a:schemeClr val="lt1"/>
-          </a:fontRef>
-        </p:style>
-        <p:txBody>
-          <a:bodyPr rot="0" spcFirstLastPara="0" vertOverflow="overflow" horzOverflow="overflow" vert="horz" wrap="square" lIns="91440" tIns="45720" rIns="91440" bIns="45720" numCol="1" spcCol="0" rtlCol="0" fromWordArt="0" anchor="ctr" anchorCtr="0" forceAA="0" compatLnSpc="1">
-            <a:prstTxWarp prst="textNoShape">
-              <a:avLst/>
-            </a:prstTxWarp>
-            <a:noAutofit/>
-          </a:bodyPr>
-          <a:lstStyle/>
-          <a:p>
-            <a:pPr algn="ctr"/>
-            <a:r>
-              <a:rPr lang="en-US" altLang="zh-CN" dirty="0"/>
-              <a:t>Hosting</a:t>
-            </a:r>
-            <a:endParaRPr lang="zh-CN" altLang="en-US" dirty="0"/>
-          </a:p>
-        </p:txBody>
-      </p:sp>
-      <p:sp>
-        <p:nvSpPr>
-          <p:cNvPr id="48" name="圆角矩形 47"/>
-          <p:cNvSpPr/>
-          <p:nvPr/>
-        </p:nvSpPr>
-        <p:spPr>
-          <a:xfrm>
-            <a:off x="4002414" y="2859883"/>
-            <a:ext cx="1582994" cy="397614"/>
-          </a:xfrm>
-          <a:prstGeom prst="roundRect">
-            <a:avLst/>
-          </a:prstGeom>
-        </p:spPr>
-        <p:style>
-          <a:lnRef idx="1">
-            <a:schemeClr val="accent2"/>
-          </a:lnRef>
-          <a:fillRef idx="3">
-            <a:schemeClr val="accent2"/>
-          </a:fillRef>
-          <a:effectRef idx="2">
-            <a:schemeClr val="accent2"/>
-          </a:effectRef>
-          <a:fontRef idx="minor">
-            <a:schemeClr val="lt1"/>
-          </a:fontRef>
-        </p:style>
-        <p:txBody>
-          <a:bodyPr rot="0" spcFirstLastPara="0" vertOverflow="overflow" horzOverflow="overflow" vert="horz" wrap="square" lIns="91440" tIns="45720" rIns="91440" bIns="45720" numCol="1" spcCol="0" rtlCol="0" fromWordArt="0" anchor="ctr" anchorCtr="0" forceAA="0" compatLnSpc="1">
-            <a:prstTxWarp prst="textNoShape">
-              <a:avLst/>
-            </a:prstTxWarp>
-            <a:noAutofit/>
-          </a:bodyPr>
-          <a:lstStyle/>
-          <a:p>
-            <a:pPr algn="ctr"/>
-            <a:r>
-              <a:rPr lang="en-US" altLang="zh-CN" dirty="0"/>
-              <a:t>Cache</a:t>
-            </a:r>
-            <a:endParaRPr lang="zh-CN" altLang="en-US" dirty="0"/>
-          </a:p>
-        </p:txBody>
-      </p:sp>
-      <p:sp>
-        <p:nvSpPr>
-          <p:cNvPr id="50" name="圆角矩形 49"/>
-          <p:cNvSpPr/>
-          <p:nvPr/>
-        </p:nvSpPr>
-        <p:spPr>
-          <a:xfrm>
-            <a:off x="4002414" y="3372635"/>
-            <a:ext cx="1582994" cy="397614"/>
-          </a:xfrm>
-          <a:prstGeom prst="roundRect">
-            <a:avLst/>
-          </a:prstGeom>
-        </p:spPr>
-        <p:style>
-          <a:lnRef idx="1">
-            <a:schemeClr val="accent2"/>
-          </a:lnRef>
-          <a:fillRef idx="3">
-            <a:schemeClr val="accent2"/>
-          </a:fillRef>
-          <a:effectRef idx="2">
-            <a:schemeClr val="accent2"/>
-          </a:effectRef>
-          <a:fontRef idx="minor">
-            <a:schemeClr val="lt1"/>
-          </a:fontRef>
-        </p:style>
-        <p:txBody>
-          <a:bodyPr rot="0" spcFirstLastPara="0" vertOverflow="overflow" horzOverflow="overflow" vert="horz" wrap="square" lIns="91440" tIns="45720" rIns="91440" bIns="45720" numCol="1" spcCol="0" rtlCol="0" fromWordArt="0" anchor="ctr" anchorCtr="0" forceAA="0" compatLnSpc="1">
-            <a:prstTxWarp prst="textNoShape">
-              <a:avLst/>
-            </a:prstTxWarp>
-            <a:noAutofit/>
-          </a:bodyPr>
-          <a:lstStyle/>
-          <a:p>
-            <a:pPr algn="ctr"/>
-            <a:r>
-              <a:rPr lang="en-US" altLang="zh-CN" dirty="0"/>
-              <a:t>Modules</a:t>
-            </a:r>
-            <a:endParaRPr lang="zh-CN" altLang="en-US" dirty="0"/>
-          </a:p>
-        </p:txBody>
-      </p:sp>
-      <p:sp>
-        <p:nvSpPr>
-          <p:cNvPr id="51" name="圆角矩形 50"/>
-          <p:cNvSpPr/>
-          <p:nvPr/>
-        </p:nvSpPr>
-        <p:spPr>
-          <a:xfrm>
-            <a:off x="4002414" y="3885387"/>
-            <a:ext cx="1582994" cy="397614"/>
-          </a:xfrm>
-          <a:prstGeom prst="roundRect">
-            <a:avLst/>
-          </a:prstGeom>
-        </p:spPr>
-        <p:style>
-          <a:lnRef idx="1">
-            <a:schemeClr val="accent2"/>
-          </a:lnRef>
-          <a:fillRef idx="3">
-            <a:schemeClr val="accent2"/>
-          </a:fillRef>
-          <a:effectRef idx="2">
-            <a:schemeClr val="accent2"/>
-          </a:effectRef>
-          <a:fontRef idx="minor">
-            <a:schemeClr val="lt1"/>
-          </a:fontRef>
-        </p:style>
-        <p:txBody>
-          <a:bodyPr rot="0" spcFirstLastPara="0" vertOverflow="overflow" horzOverflow="overflow" vert="horz" wrap="square" lIns="91440" tIns="45720" rIns="91440" bIns="45720" numCol="1" spcCol="0" rtlCol="0" fromWordArt="0" anchor="ctr" anchorCtr="0" forceAA="0" compatLnSpc="1">
-            <a:prstTxWarp prst="textNoShape">
-              <a:avLst/>
-            </a:prstTxWarp>
-            <a:noAutofit/>
-          </a:bodyPr>
-          <a:lstStyle/>
-          <a:p>
-            <a:pPr algn="ctr"/>
-            <a:r>
-              <a:rPr lang="en-US" altLang="zh-CN" dirty="0"/>
-              <a:t>Log</a:t>
-            </a:r>
-            <a:endParaRPr lang="zh-CN" altLang="en-US" dirty="0"/>
-          </a:p>
-        </p:txBody>
-      </p:sp>
-      <p:sp>
-        <p:nvSpPr>
-          <p:cNvPr id="53" name="右箭头 52"/>
-          <p:cNvSpPr/>
-          <p:nvPr/>
-        </p:nvSpPr>
-        <p:spPr>
-          <a:xfrm>
-            <a:off x="8220602" y="4637005"/>
-            <a:ext cx="1592826" cy="339998"/>
-          </a:xfrm>
-          <a:prstGeom prst="rightArrow">
-            <a:avLst/>
-          </a:prstGeom>
-        </p:spPr>
-        <p:style>
-          <a:lnRef idx="1">
-            <a:schemeClr val="accent3"/>
-          </a:lnRef>
-          <a:fillRef idx="2">
-            <a:schemeClr val="accent3"/>
-          </a:fillRef>
-          <a:effectRef idx="1">
-            <a:schemeClr val="accent3"/>
-          </a:effectRef>
-          <a:fontRef idx="minor">
-            <a:schemeClr val="dk1"/>
-          </a:fontRef>
-        </p:style>
-        <p:txBody>
-          <a:bodyPr rtlCol="0" anchor="ctr"/>
-          <a:lstStyle/>
-          <a:p>
-            <a:pPr algn="ctr"/>
-            <a:endParaRPr lang="zh-CN" altLang="en-US"/>
-          </a:p>
-        </p:txBody>
-      </p:sp>
-      <p:sp>
-        <p:nvSpPr>
-          <p:cNvPr id="57" name="圆角矩形 56"/>
-          <p:cNvSpPr/>
-          <p:nvPr/>
-        </p:nvSpPr>
-        <p:spPr>
-          <a:xfrm>
-            <a:off x="9847073" y="4615644"/>
-            <a:ext cx="1582994" cy="397614"/>
-          </a:xfrm>
-          <a:prstGeom prst="roundRect">
-            <a:avLst/>
-          </a:prstGeom>
-        </p:spPr>
-        <p:style>
-          <a:lnRef idx="1">
-            <a:schemeClr val="accent3"/>
-          </a:lnRef>
-          <a:fillRef idx="3">
-            <a:schemeClr val="accent3"/>
-          </a:fillRef>
-          <a:effectRef idx="2">
-            <a:schemeClr val="accent3"/>
-          </a:effectRef>
-          <a:fontRef idx="minor">
-            <a:schemeClr val="lt1"/>
-          </a:fontRef>
-        </p:style>
-        <p:txBody>
-          <a:bodyPr rtlCol="0" anchor="ctr"/>
-          <a:lstStyle/>
-          <a:p>
-            <a:pPr algn="ctr"/>
-            <a:r>
-              <a:rPr lang="en-US" altLang="zh-CN" dirty="0" smtClean="0"/>
-              <a:t>Service</a:t>
-            </a:r>
-            <a:endParaRPr lang="zh-CN" altLang="en-US" dirty="0"/>
-          </a:p>
-        </p:txBody>
-      </p:sp>
-      <p:sp>
-        <p:nvSpPr>
-          <p:cNvPr id="61" name="圆角矩形 60"/>
-          <p:cNvSpPr/>
-          <p:nvPr/>
-        </p:nvSpPr>
-        <p:spPr>
-          <a:xfrm>
-            <a:off x="6482259" y="5164264"/>
-            <a:ext cx="1582994" cy="397614"/>
-          </a:xfrm>
-          <a:prstGeom prst="roundRect">
-            <a:avLst/>
-          </a:prstGeom>
-        </p:spPr>
-        <p:style>
-          <a:lnRef idx="1">
-            <a:schemeClr val="accent3"/>
-          </a:lnRef>
-          <a:fillRef idx="2">
-            <a:schemeClr val="accent3"/>
-          </a:fillRef>
-          <a:effectRef idx="1">
-            <a:schemeClr val="accent3"/>
-          </a:effectRef>
-          <a:fontRef idx="minor">
-            <a:schemeClr val="dk1"/>
-          </a:fontRef>
-        </p:style>
-        <p:txBody>
-          <a:bodyPr rtlCol="0" anchor="ctr"/>
-          <a:lstStyle/>
-          <a:p>
-            <a:pPr algn="ctr"/>
-            <a:r>
-              <a:rPr lang="en-US" altLang="zh-CN" dirty="0" smtClean="0"/>
-              <a:t>BP</a:t>
-            </a:r>
-            <a:endParaRPr lang="zh-CN" altLang="en-US" dirty="0"/>
-          </a:p>
-        </p:txBody>
-      </p:sp>
-      <p:sp>
-        <p:nvSpPr>
-          <p:cNvPr id="62" name="圆角矩形 61"/>
-          <p:cNvSpPr/>
-          <p:nvPr/>
-        </p:nvSpPr>
-        <p:spPr>
-          <a:xfrm>
-            <a:off x="6514556" y="641538"/>
-            <a:ext cx="1582994" cy="397614"/>
-          </a:xfrm>
-          <a:prstGeom prst="roundRect">
-            <a:avLst/>
-          </a:prstGeom>
-        </p:spPr>
-        <p:style>
-          <a:lnRef idx="1">
-            <a:schemeClr val="accent4"/>
-          </a:lnRef>
-          <a:fillRef idx="2">
-            <a:schemeClr val="accent4"/>
-          </a:fillRef>
-          <a:effectRef idx="1">
-            <a:schemeClr val="accent4"/>
-          </a:effectRef>
-          <a:fontRef idx="minor">
-            <a:schemeClr val="dk1"/>
-          </a:fontRef>
-        </p:style>
-        <p:txBody>
-          <a:bodyPr rtlCol="0" anchor="ctr"/>
-          <a:lstStyle/>
-          <a:p>
-            <a:pPr algn="ctr"/>
-            <a:r>
-              <a:rPr lang="en-US" altLang="zh-CN" dirty="0" smtClean="0"/>
-              <a:t>BE</a:t>
-            </a:r>
-            <a:endParaRPr lang="zh-CN" altLang="en-US" dirty="0"/>
-          </a:p>
-        </p:txBody>
-      </p:sp>
-      <p:sp>
-        <p:nvSpPr>
-          <p:cNvPr id="63" name="圆角矩形 62"/>
-          <p:cNvSpPr/>
-          <p:nvPr/>
-        </p:nvSpPr>
-        <p:spPr>
-          <a:xfrm>
-            <a:off x="6514556" y="1159479"/>
-            <a:ext cx="1582994" cy="397614"/>
-          </a:xfrm>
-          <a:prstGeom prst="roundRect">
-            <a:avLst/>
-          </a:prstGeom>
-        </p:spPr>
-        <p:style>
-          <a:lnRef idx="1">
-            <a:schemeClr val="accent4"/>
-          </a:lnRef>
-          <a:fillRef idx="2">
-            <a:schemeClr val="accent4"/>
-          </a:fillRef>
-          <a:effectRef idx="1">
-            <a:schemeClr val="accent4"/>
-          </a:effectRef>
-          <a:fontRef idx="minor">
-            <a:schemeClr val="dk1"/>
-          </a:fontRef>
-        </p:style>
-        <p:txBody>
-          <a:bodyPr rtlCol="0" anchor="ctr"/>
-          <a:lstStyle/>
-          <a:p>
-            <a:pPr algn="ctr"/>
-            <a:r>
-              <a:rPr lang="en-US" altLang="zh-CN" dirty="0"/>
-              <a:t>DTO</a:t>
-            </a:r>
-            <a:endParaRPr lang="zh-CN" altLang="en-US" dirty="0"/>
-          </a:p>
-        </p:txBody>
-      </p:sp>
-      <p:sp>
-        <p:nvSpPr>
-          <p:cNvPr id="64" name="右箭头 63"/>
-          <p:cNvSpPr/>
-          <p:nvPr/>
-        </p:nvSpPr>
-        <p:spPr>
-          <a:xfrm>
-            <a:off x="8254247" y="886810"/>
-            <a:ext cx="1592826" cy="339998"/>
-          </a:xfrm>
-          <a:prstGeom prst="rightArrow">
-            <a:avLst/>
-          </a:prstGeom>
-        </p:spPr>
-        <p:style>
-          <a:lnRef idx="1">
-            <a:schemeClr val="accent4"/>
-          </a:lnRef>
-          <a:fillRef idx="2">
-            <a:schemeClr val="accent4"/>
-          </a:fillRef>
-          <a:effectRef idx="1">
-            <a:schemeClr val="accent4"/>
-          </a:effectRef>
-          <a:fontRef idx="minor">
-            <a:schemeClr val="dk1"/>
-          </a:fontRef>
-        </p:style>
-        <p:txBody>
-          <a:bodyPr rtlCol="0" anchor="ctr"/>
-          <a:lstStyle/>
-          <a:p>
-            <a:pPr algn="ctr"/>
-            <a:endParaRPr lang="zh-CN" altLang="en-US"/>
-          </a:p>
-        </p:txBody>
-      </p:sp>
-      <p:sp>
-        <p:nvSpPr>
-          <p:cNvPr id="65" name="圆角矩形 64"/>
-          <p:cNvSpPr/>
-          <p:nvPr/>
-        </p:nvSpPr>
-        <p:spPr>
-          <a:xfrm>
-            <a:off x="9847073" y="489196"/>
-            <a:ext cx="1582994" cy="397614"/>
-          </a:xfrm>
-          <a:prstGeom prst="roundRect">
-            <a:avLst/>
-          </a:prstGeom>
-        </p:spPr>
-        <p:style>
-          <a:lnRef idx="1">
-            <a:schemeClr val="accent4"/>
-          </a:lnRef>
-          <a:fillRef idx="3">
-            <a:schemeClr val="accent4"/>
-          </a:fillRef>
-          <a:effectRef idx="2">
-            <a:schemeClr val="accent4"/>
-          </a:effectRef>
-          <a:fontRef idx="minor">
-            <a:schemeClr val="lt1"/>
-          </a:fontRef>
-        </p:style>
-        <p:txBody>
-          <a:bodyPr rtlCol="0" anchor="ctr"/>
-          <a:lstStyle/>
-          <a:p>
-            <a:pPr algn="ctr"/>
-            <a:r>
-              <a:rPr lang="en-US" altLang="zh-CN" dirty="0" smtClean="0"/>
-              <a:t>Model</a:t>
-            </a:r>
-            <a:endParaRPr lang="zh-CN" altLang="en-US" dirty="0"/>
-          </a:p>
-        </p:txBody>
-      </p:sp>
-      <p:sp>
-        <p:nvSpPr>
-          <p:cNvPr id="66" name="圆角矩形 65"/>
-          <p:cNvSpPr/>
-          <p:nvPr/>
-        </p:nvSpPr>
-        <p:spPr>
-          <a:xfrm>
-            <a:off x="9847073" y="1157526"/>
-            <a:ext cx="1582994" cy="397614"/>
-          </a:xfrm>
-          <a:prstGeom prst="roundRect">
-            <a:avLst/>
-          </a:prstGeom>
-        </p:spPr>
-        <p:style>
-          <a:lnRef idx="1">
-            <a:schemeClr val="accent4"/>
-          </a:lnRef>
-          <a:fillRef idx="3">
-            <a:schemeClr val="accent4"/>
-          </a:fillRef>
-          <a:effectRef idx="2">
-            <a:schemeClr val="accent4"/>
-          </a:effectRef>
-          <a:fontRef idx="minor">
-            <a:schemeClr val="lt1"/>
-          </a:fontRef>
-        </p:style>
-        <p:txBody>
-          <a:bodyPr rtlCol="0" anchor="ctr"/>
-          <a:lstStyle/>
-          <a:p>
-            <a:pPr algn="ctr"/>
-            <a:r>
-              <a:rPr lang="en-US" altLang="zh-CN" dirty="0">
-                <a:solidFill>
-                  <a:schemeClr val="lt1"/>
-                </a:solidFill>
-              </a:rPr>
-              <a:t>Data</a:t>
-            </a:r>
-            <a:endParaRPr lang="zh-CN" altLang="en-US" dirty="0">
-              <a:solidFill>
-                <a:schemeClr val="lt1"/>
-              </a:solidFill>
-            </a:endParaRPr>
-          </a:p>
-        </p:txBody>
-      </p:sp>
-      <p:sp>
-        <p:nvSpPr>
-          <p:cNvPr id="67" name="圆角矩形 66"/>
-          <p:cNvSpPr/>
-          <p:nvPr/>
-        </p:nvSpPr>
-        <p:spPr>
-          <a:xfrm>
-            <a:off x="6514556" y="1712380"/>
-            <a:ext cx="1582994" cy="397614"/>
-          </a:xfrm>
-          <a:prstGeom prst="roundRect">
-            <a:avLst/>
-          </a:prstGeom>
-        </p:spPr>
-        <p:style>
-          <a:lnRef idx="1">
-            <a:schemeClr val="accent4"/>
-          </a:lnRef>
-          <a:fillRef idx="2">
-            <a:schemeClr val="accent4"/>
-          </a:fillRef>
-          <a:effectRef idx="1">
-            <a:schemeClr val="accent4"/>
-          </a:effectRef>
-          <a:fontRef idx="minor">
-            <a:schemeClr val="dk1"/>
-          </a:fontRef>
-        </p:style>
-        <p:txBody>
-          <a:bodyPr rtlCol="0" anchor="ctr"/>
-          <a:lstStyle/>
-          <a:p>
-            <a:pPr algn="ctr"/>
-            <a:r>
-              <a:rPr lang="en-US" altLang="zh-CN" dirty="0" err="1" smtClean="0"/>
-              <a:t>Dblayer</a:t>
-            </a:r>
-            <a:endParaRPr lang="zh-CN" altLang="en-US" dirty="0"/>
-          </a:p>
-        </p:txBody>
-      </p:sp>
-      <p:sp>
-        <p:nvSpPr>
-          <p:cNvPr id="68" name="圆角矩形 67"/>
-          <p:cNvSpPr/>
-          <p:nvPr/>
-        </p:nvSpPr>
-        <p:spPr>
-          <a:xfrm>
-            <a:off x="6514556" y="2214952"/>
-            <a:ext cx="1582994" cy="397614"/>
-          </a:xfrm>
-          <a:prstGeom prst="roundRect">
-            <a:avLst/>
-          </a:prstGeom>
-        </p:spPr>
-        <p:style>
-          <a:lnRef idx="1">
-            <a:schemeClr val="accent4"/>
-          </a:lnRef>
-          <a:fillRef idx="2">
-            <a:schemeClr val="accent4"/>
-          </a:fillRef>
-          <a:effectRef idx="1">
-            <a:schemeClr val="accent4"/>
-          </a:effectRef>
-          <a:fontRef idx="minor">
-            <a:schemeClr val="dk1"/>
-          </a:fontRef>
-        </p:style>
-        <p:txBody>
-          <a:bodyPr rtlCol="0" anchor="ctr"/>
-          <a:lstStyle/>
-          <a:p>
-            <a:pPr algn="ctr"/>
-            <a:r>
-              <a:rPr lang="en-US" altLang="zh-CN" dirty="0" err="1" smtClean="0"/>
-              <a:t>DTOPresister</a:t>
-            </a:r>
-            <a:endParaRPr lang="zh-CN" altLang="en-US" dirty="0"/>
-          </a:p>
-        </p:txBody>
-      </p:sp>
-      <p:sp>
-        <p:nvSpPr>
-          <p:cNvPr id="69" name="圆角矩形 68"/>
-          <p:cNvSpPr/>
-          <p:nvPr/>
-        </p:nvSpPr>
-        <p:spPr>
-          <a:xfrm>
-            <a:off x="6514556" y="2702632"/>
-            <a:ext cx="1582994" cy="397614"/>
-          </a:xfrm>
-          <a:prstGeom prst="roundRect">
-            <a:avLst/>
-          </a:prstGeom>
-        </p:spPr>
-        <p:style>
-          <a:lnRef idx="1">
-            <a:schemeClr val="accent4"/>
-          </a:lnRef>
-          <a:fillRef idx="2">
-            <a:schemeClr val="accent4"/>
-          </a:fillRef>
-          <a:effectRef idx="1">
-            <a:schemeClr val="accent4"/>
-          </a:effectRef>
-          <a:fontRef idx="minor">
-            <a:schemeClr val="dk1"/>
-          </a:fontRef>
-        </p:style>
-        <p:txBody>
-          <a:bodyPr rtlCol="0" anchor="ctr"/>
-          <a:lstStyle/>
-          <a:p>
-            <a:pPr algn="ctr"/>
-            <a:r>
-              <a:rPr lang="en-US" altLang="zh-CN" dirty="0" err="1" smtClean="0"/>
-              <a:t>DataStruct</a:t>
-            </a:r>
-            <a:endParaRPr lang="zh-CN" altLang="en-US" dirty="0"/>
-          </a:p>
-        </p:txBody>
-      </p:sp>
-    </p:spTree>
-    <p:extLst>
-      <p:ext uri="{BB962C8B-B14F-4D97-AF65-F5344CB8AC3E}">
-        <p14:creationId xmlns:p14="http://schemas.microsoft.com/office/powerpoint/2010/main" val="2647634389"/>
-      </p:ext>
-    </p:extLst>
-  </p:cSld>
-  <p:clrMapOvr>
-    <a:masterClrMapping/>
-  </p:clrMapOvr>
-  <p:timing>
-    <p:tnLst>
-      <p:par>
-        <p:cTn id="1" dur="indefinite" restart="never" nodeType="tmRoot"/>
-      </p:par>
-    </p:tnLst>
-  </p:timing>
-</p:sld>
-</file>
-
-<file path=ppt/slides/slide5.xml><?xml version="1.0" encoding="utf-8"?>
 <p:sld xmlns:a="http://schemas.openxmlformats.org/drawingml/2006/main" xmlns:r="http://schemas.openxmlformats.org/officeDocument/2006/relationships" xmlns:p="http://schemas.openxmlformats.org/presentationml/2006/main">
   <p:cSld>
     <p:spTree>
@@ -10148,7 +8957,7 @@
 </p:sld>
 </file>
 
-<file path=ppt/slides/slide6.xml><?xml version="1.0" encoding="utf-8"?>
+<file path=ppt/slides/slide5.xml><?xml version="1.0" encoding="utf-8"?>
 <p:sld xmlns:a="http://schemas.openxmlformats.org/drawingml/2006/main" xmlns:r="http://schemas.openxmlformats.org/officeDocument/2006/relationships" xmlns:p="http://schemas.openxmlformats.org/presentationml/2006/main">
   <p:cSld>
     <p:spTree>
@@ -10994,6 +9803,50 @@
             <a:r>
               <a:rPr lang="zh-CN" altLang="en-US" sz="1400" dirty="0" smtClean="0"/>
               <a:t>缓存策略</a:t>
+            </a:r>
+            <a:endParaRPr lang="zh-CN" altLang="en-US" sz="1400" dirty="0"/>
+          </a:p>
+        </p:txBody>
+      </p:sp>
+      <p:sp>
+        <p:nvSpPr>
+          <p:cNvPr id="25" name="圆角矩形 24"/>
+          <p:cNvSpPr/>
+          <p:nvPr/>
+        </p:nvSpPr>
+        <p:spPr>
+          <a:xfrm>
+            <a:off x="9629029" y="2490097"/>
+            <a:ext cx="1399428" cy="383774"/>
+          </a:xfrm>
+          <a:prstGeom prst="roundRect">
+            <a:avLst/>
+          </a:prstGeom>
+        </p:spPr>
+        <p:style>
+          <a:lnRef idx="2">
+            <a:schemeClr val="accent6">
+              <a:shade val="50000"/>
+            </a:schemeClr>
+          </a:lnRef>
+          <a:fillRef idx="1">
+            <a:schemeClr val="accent6"/>
+          </a:fillRef>
+          <a:effectRef idx="0">
+            <a:schemeClr val="accent6"/>
+          </a:effectRef>
+          <a:fontRef idx="minor">
+            <a:schemeClr val="lt1"/>
+          </a:fontRef>
+        </p:style>
+        <p:txBody>
+          <a:bodyPr rtlCol="0" anchor="ctr"/>
+          <a:lstStyle/>
+          <a:p>
+            <a:pPr algn="ctr"/>
+            <a:r>
+              <a:rPr lang="zh-CN" altLang="en-US" sz="1400" dirty="0" smtClean="0"/>
+              <a:t>事务</a:t>
             </a:r>
             <a:endParaRPr lang="zh-CN" altLang="en-US" sz="1400" dirty="0"/>
           </a:p>
@@ -11019,7 +9872,1534 @@
 </p:sld>
 </file>
 
+<file path=ppt/slides/slide6.xml><?xml version="1.0" encoding="utf-8"?>
+<p:sld xmlns:a="http://schemas.openxmlformats.org/drawingml/2006/main" xmlns:r="http://schemas.openxmlformats.org/officeDocument/2006/relationships" xmlns:p="http://schemas.openxmlformats.org/presentationml/2006/main">
+  <p:cSld>
+    <p:spTree>
+      <p:nvGrpSpPr>
+        <p:cNvPr id="1" name=""/>
+        <p:cNvGrpSpPr/>
+        <p:nvPr/>
+      </p:nvGrpSpPr>
+      <p:grpSpPr>
+        <a:xfrm>
+          <a:off x="0" y="0"/>
+          <a:ext cx="0" cy="0"/>
+          <a:chOff x="0" y="0"/>
+          <a:chExt cx="0" cy="0"/>
+        </a:xfrm>
+      </p:grpSpPr>
+      <p:sp>
+        <p:nvSpPr>
+          <p:cNvPr id="2" name="标题 1"/>
+          <p:cNvSpPr>
+            <a:spLocks noGrp="1"/>
+          </p:cNvSpPr>
+          <p:nvPr>
+            <p:ph type="title"/>
+          </p:nvPr>
+        </p:nvSpPr>
+        <p:spPr>
+          <a:xfrm>
+            <a:off x="0" y="5698873"/>
+            <a:ext cx="8534400" cy="1507067"/>
+          </a:xfrm>
+        </p:spPr>
+        <p:txBody>
+          <a:bodyPr/>
+          <a:lstStyle/>
+          <a:p>
+            <a:r>
+              <a:rPr lang="en-US" altLang="zh-CN" dirty="0" smtClean="0"/>
+              <a:t>AOP</a:t>
+            </a:r>
+            <a:r>
+              <a:rPr lang="zh-CN" altLang="en-US" dirty="0" smtClean="0"/>
+              <a:t>实现实例</a:t>
+            </a:r>
+            <a:endParaRPr lang="zh-CN" altLang="en-US" dirty="0"/>
+          </a:p>
+        </p:txBody>
+      </p:sp>
+      <p:pic>
+        <p:nvPicPr>
+          <p:cNvPr id="3" name="图片 2"/>
+          <p:cNvPicPr>
+            <a:picLocks noChangeAspect="1"/>
+          </p:cNvPicPr>
+          <p:nvPr/>
+        </p:nvPicPr>
+        <p:blipFill>
+          <a:blip r:embed="rId2"/>
+          <a:stretch>
+            <a:fillRect/>
+          </a:stretch>
+        </p:blipFill>
+        <p:spPr>
+          <a:xfrm>
+            <a:off x="1575684" y="61456"/>
+            <a:ext cx="8229600" cy="2552700"/>
+          </a:xfrm>
+          <a:prstGeom prst="rect">
+            <a:avLst/>
+          </a:prstGeom>
+          <a:ln>
+            <a:noFill/>
+          </a:ln>
+          <a:effectLst>
+            <a:outerShdw blurRad="190500" algn="tl" rotWithShape="0">
+              <a:srgbClr val="000000">
+                <a:alpha val="70000"/>
+              </a:srgbClr>
+            </a:outerShdw>
+          </a:effectLst>
+        </p:spPr>
+      </p:pic>
+      <p:pic>
+        <p:nvPicPr>
+          <p:cNvPr id="4" name="图片 3"/>
+          <p:cNvPicPr>
+            <a:picLocks noChangeAspect="1"/>
+          </p:cNvPicPr>
+          <p:nvPr/>
+        </p:nvPicPr>
+        <p:blipFill>
+          <a:blip r:embed="rId3"/>
+          <a:stretch>
+            <a:fillRect/>
+          </a:stretch>
+        </p:blipFill>
+        <p:spPr>
+          <a:xfrm>
+            <a:off x="1575684" y="2813311"/>
+            <a:ext cx="4953000" cy="3362325"/>
+          </a:xfrm>
+          <a:prstGeom prst="rect">
+            <a:avLst/>
+          </a:prstGeom>
+          <a:ln>
+            <a:noFill/>
+          </a:ln>
+          <a:effectLst>
+            <a:outerShdw blurRad="190500" algn="tl" rotWithShape="0">
+              <a:srgbClr val="000000">
+                <a:alpha val="70000"/>
+              </a:srgbClr>
+            </a:outerShdw>
+          </a:effectLst>
+        </p:spPr>
+      </p:pic>
+      <p:pic>
+        <p:nvPicPr>
+          <p:cNvPr id="9" name="图片 8"/>
+          <p:cNvPicPr>
+            <a:picLocks noChangeAspect="1"/>
+          </p:cNvPicPr>
+          <p:nvPr/>
+        </p:nvPicPr>
+        <p:blipFill>
+          <a:blip r:embed="rId4"/>
+          <a:stretch>
+            <a:fillRect/>
+          </a:stretch>
+        </p:blipFill>
+        <p:spPr>
+          <a:xfrm>
+            <a:off x="6704192" y="3003810"/>
+            <a:ext cx="4476750" cy="2981325"/>
+          </a:xfrm>
+          <a:prstGeom prst="rect">
+            <a:avLst/>
+          </a:prstGeom>
+          <a:ln>
+            <a:noFill/>
+          </a:ln>
+          <a:effectLst>
+            <a:outerShdw blurRad="190500" algn="tl" rotWithShape="0">
+              <a:srgbClr val="000000">
+                <a:alpha val="70000"/>
+              </a:srgbClr>
+            </a:outerShdw>
+          </a:effectLst>
+        </p:spPr>
+      </p:pic>
+    </p:spTree>
+    <p:extLst>
+      <p:ext uri="{BB962C8B-B14F-4D97-AF65-F5344CB8AC3E}">
+        <p14:creationId xmlns:p14="http://schemas.microsoft.com/office/powerpoint/2010/main" val="2374817687"/>
+      </p:ext>
+    </p:extLst>
+  </p:cSld>
+  <p:clrMapOvr>
+    <a:masterClrMapping/>
+  </p:clrMapOvr>
+  <p:timing>
+    <p:tnLst>
+      <p:par>
+        <p:cTn id="1" dur="indefinite" restart="never" nodeType="tmRoot"/>
+      </p:par>
+    </p:tnLst>
+  </p:timing>
+</p:sld>
+</file>
+
 <file path=ppt/slides/slide7.xml><?xml version="1.0" encoding="utf-8"?>
+<p:sld xmlns:a="http://schemas.openxmlformats.org/drawingml/2006/main" xmlns:r="http://schemas.openxmlformats.org/officeDocument/2006/relationships" xmlns:p="http://schemas.openxmlformats.org/presentationml/2006/main">
+  <p:cSld>
+    <p:spTree>
+      <p:nvGrpSpPr>
+        <p:cNvPr id="1" name=""/>
+        <p:cNvGrpSpPr/>
+        <p:nvPr/>
+      </p:nvGrpSpPr>
+      <p:grpSpPr>
+        <a:xfrm>
+          <a:off x="0" y="0"/>
+          <a:ext cx="0" cy="0"/>
+          <a:chOff x="0" y="0"/>
+          <a:chExt cx="0" cy="0"/>
+        </a:xfrm>
+      </p:grpSpPr>
+      <p:sp>
+        <p:nvSpPr>
+          <p:cNvPr id="2" name="标题 1"/>
+          <p:cNvSpPr>
+            <a:spLocks noGrp="1"/>
+          </p:cNvSpPr>
+          <p:nvPr>
+            <p:ph type="title"/>
+          </p:nvPr>
+        </p:nvSpPr>
+        <p:spPr>
+          <a:xfrm>
+            <a:off x="0" y="5698873"/>
+            <a:ext cx="8534400" cy="1507067"/>
+          </a:xfrm>
+        </p:spPr>
+        <p:txBody>
+          <a:bodyPr/>
+          <a:lstStyle/>
+          <a:p>
+            <a:r>
+              <a:rPr lang="zh-CN" altLang="en-US" dirty="0" smtClean="0"/>
+              <a:t>简单事务</a:t>
+            </a:r>
+            <a:r>
+              <a:rPr lang="en-US" altLang="zh-CN" dirty="0" smtClean="0"/>
+              <a:t>,</a:t>
+            </a:r>
+            <a:r>
+              <a:rPr lang="zh-CN" altLang="en-US" dirty="0" smtClean="0"/>
+              <a:t>线程上下文</a:t>
+            </a:r>
+            <a:endParaRPr lang="zh-CN" altLang="en-US" dirty="0"/>
+          </a:p>
+        </p:txBody>
+      </p:sp>
+      <p:pic>
+        <p:nvPicPr>
+          <p:cNvPr id="3" name="图片 2"/>
+          <p:cNvPicPr>
+            <a:picLocks noChangeAspect="1"/>
+          </p:cNvPicPr>
+          <p:nvPr/>
+        </p:nvPicPr>
+        <p:blipFill>
+          <a:blip r:embed="rId2"/>
+          <a:stretch>
+            <a:fillRect/>
+          </a:stretch>
+        </p:blipFill>
+        <p:spPr>
+          <a:xfrm>
+            <a:off x="1752144" y="537748"/>
+            <a:ext cx="8162925" cy="5305425"/>
+          </a:xfrm>
+          <a:prstGeom prst="rect">
+            <a:avLst/>
+          </a:prstGeom>
+          <a:ln>
+            <a:noFill/>
+          </a:ln>
+          <a:effectLst>
+            <a:outerShdw blurRad="190500" algn="tl" rotWithShape="0">
+              <a:srgbClr val="000000">
+                <a:alpha val="70000"/>
+              </a:srgbClr>
+            </a:outerShdw>
+          </a:effectLst>
+        </p:spPr>
+      </p:pic>
+    </p:spTree>
+    <p:extLst>
+      <p:ext uri="{BB962C8B-B14F-4D97-AF65-F5344CB8AC3E}">
+        <p14:creationId xmlns:p14="http://schemas.microsoft.com/office/powerpoint/2010/main" val="911161047"/>
+      </p:ext>
+    </p:extLst>
+  </p:cSld>
+  <p:clrMapOvr>
+    <a:masterClrMapping/>
+  </p:clrMapOvr>
+  <p:timing>
+    <p:tnLst>
+      <p:par>
+        <p:cTn id="1" dur="indefinite" restart="never" nodeType="tmRoot"/>
+      </p:par>
+    </p:tnLst>
+  </p:timing>
+</p:sld>
+</file>
+
+<file path=ppt/slides/slide8.xml><?xml version="1.0" encoding="utf-8"?>
+<p:sld xmlns:a="http://schemas.openxmlformats.org/drawingml/2006/main" xmlns:r="http://schemas.openxmlformats.org/officeDocument/2006/relationships" xmlns:p="http://schemas.openxmlformats.org/presentationml/2006/main">
+  <p:cSld>
+    <p:spTree>
+      <p:nvGrpSpPr>
+        <p:cNvPr id="1" name=""/>
+        <p:cNvGrpSpPr/>
+        <p:nvPr/>
+      </p:nvGrpSpPr>
+      <p:grpSpPr>
+        <a:xfrm>
+          <a:off x="0" y="0"/>
+          <a:ext cx="0" cy="0"/>
+          <a:chOff x="0" y="0"/>
+          <a:chExt cx="0" cy="0"/>
+        </a:xfrm>
+      </p:grpSpPr>
+      <p:sp>
+        <p:nvSpPr>
+          <p:cNvPr id="2" name="标题 1"/>
+          <p:cNvSpPr>
+            <a:spLocks noGrp="1"/>
+          </p:cNvSpPr>
+          <p:nvPr>
+            <p:ph type="title"/>
+          </p:nvPr>
+        </p:nvSpPr>
+        <p:spPr>
+          <a:xfrm>
+            <a:off x="0" y="5698873"/>
+            <a:ext cx="8534400" cy="1507067"/>
+          </a:xfrm>
+        </p:spPr>
+        <p:txBody>
+          <a:bodyPr/>
+          <a:lstStyle/>
+          <a:p>
+            <a:r>
+              <a:rPr lang="zh-CN" altLang="en-US" dirty="0" smtClean="0"/>
+              <a:t>对应</a:t>
+            </a:r>
+            <a:endParaRPr lang="zh-CN" altLang="en-US" dirty="0"/>
+          </a:p>
+        </p:txBody>
+      </p:sp>
+      <p:sp>
+        <p:nvSpPr>
+          <p:cNvPr id="3" name="圆角矩形 2"/>
+          <p:cNvSpPr/>
+          <p:nvPr/>
+        </p:nvSpPr>
+        <p:spPr>
+          <a:xfrm>
+            <a:off x="698775" y="2096714"/>
+            <a:ext cx="1582994" cy="397614"/>
+          </a:xfrm>
+          <a:prstGeom prst="roundRect">
+            <a:avLst/>
+          </a:prstGeom>
+        </p:spPr>
+        <p:style>
+          <a:lnRef idx="1">
+            <a:schemeClr val="dk1"/>
+          </a:lnRef>
+          <a:fillRef idx="2">
+            <a:schemeClr val="dk1"/>
+          </a:fillRef>
+          <a:effectRef idx="1">
+            <a:schemeClr val="dk1"/>
+          </a:effectRef>
+          <a:fontRef idx="minor">
+            <a:schemeClr val="dk1"/>
+          </a:fontRef>
+        </p:style>
+        <p:txBody>
+          <a:bodyPr rtlCol="0" anchor="ctr"/>
+          <a:lstStyle/>
+          <a:p>
+            <a:pPr algn="ctr"/>
+            <a:r>
+              <a:rPr lang="en-US" altLang="zh-CN" dirty="0" smtClean="0"/>
+              <a:t>UIP</a:t>
+            </a:r>
+            <a:endParaRPr lang="zh-CN" altLang="en-US" dirty="0"/>
+          </a:p>
+        </p:txBody>
+      </p:sp>
+      <p:sp>
+        <p:nvSpPr>
+          <p:cNvPr id="30" name="圆角矩形 29"/>
+          <p:cNvSpPr/>
+          <p:nvPr/>
+        </p:nvSpPr>
+        <p:spPr>
+          <a:xfrm>
+            <a:off x="698775" y="2612566"/>
+            <a:ext cx="1582994" cy="397614"/>
+          </a:xfrm>
+          <a:prstGeom prst="roundRect">
+            <a:avLst/>
+          </a:prstGeom>
+        </p:spPr>
+        <p:style>
+          <a:lnRef idx="1">
+            <a:schemeClr val="accent2"/>
+          </a:lnRef>
+          <a:fillRef idx="2">
+            <a:schemeClr val="accent2"/>
+          </a:fillRef>
+          <a:effectRef idx="1">
+            <a:schemeClr val="accent2"/>
+          </a:effectRef>
+          <a:fontRef idx="minor">
+            <a:schemeClr val="dk1"/>
+          </a:fontRef>
+        </p:style>
+        <p:txBody>
+          <a:bodyPr rtlCol="0" anchor="ctr"/>
+          <a:lstStyle/>
+          <a:p>
+            <a:pPr algn="ctr"/>
+            <a:r>
+              <a:rPr lang="en-US" altLang="zh-CN" dirty="0" smtClean="0"/>
+              <a:t>AOP</a:t>
+            </a:r>
+            <a:endParaRPr lang="zh-CN" altLang="en-US" dirty="0"/>
+          </a:p>
+        </p:txBody>
+      </p:sp>
+      <p:sp>
+        <p:nvSpPr>
+          <p:cNvPr id="32" name="圆角矩形 31"/>
+          <p:cNvSpPr/>
+          <p:nvPr/>
+        </p:nvSpPr>
+        <p:spPr>
+          <a:xfrm>
+            <a:off x="6482259" y="4118504"/>
+            <a:ext cx="1582994" cy="397614"/>
+          </a:xfrm>
+          <a:prstGeom prst="roundRect">
+            <a:avLst/>
+          </a:prstGeom>
+        </p:spPr>
+        <p:style>
+          <a:lnRef idx="1">
+            <a:schemeClr val="accent3"/>
+          </a:lnRef>
+          <a:fillRef idx="2">
+            <a:schemeClr val="accent3"/>
+          </a:fillRef>
+          <a:effectRef idx="1">
+            <a:schemeClr val="accent3"/>
+          </a:effectRef>
+          <a:fontRef idx="minor">
+            <a:schemeClr val="dk1"/>
+          </a:fontRef>
+        </p:style>
+        <p:txBody>
+          <a:bodyPr rtlCol="0" anchor="ctr"/>
+          <a:lstStyle/>
+          <a:p>
+            <a:pPr algn="ctr"/>
+            <a:r>
+              <a:rPr lang="en-US" altLang="zh-CN" dirty="0" err="1" smtClean="0"/>
+              <a:t>Inteterface</a:t>
+            </a:r>
+            <a:endParaRPr lang="zh-CN" altLang="en-US" dirty="0"/>
+          </a:p>
+        </p:txBody>
+      </p:sp>
+      <p:sp>
+        <p:nvSpPr>
+          <p:cNvPr id="33" name="圆角矩形 32"/>
+          <p:cNvSpPr/>
+          <p:nvPr/>
+        </p:nvSpPr>
+        <p:spPr>
+          <a:xfrm>
+            <a:off x="6482259" y="4636445"/>
+            <a:ext cx="1582994" cy="397614"/>
+          </a:xfrm>
+          <a:prstGeom prst="roundRect">
+            <a:avLst/>
+          </a:prstGeom>
+        </p:spPr>
+        <p:style>
+          <a:lnRef idx="1">
+            <a:schemeClr val="accent3"/>
+          </a:lnRef>
+          <a:fillRef idx="2">
+            <a:schemeClr val="accent3"/>
+          </a:fillRef>
+          <a:effectRef idx="1">
+            <a:schemeClr val="accent3"/>
+          </a:effectRef>
+          <a:fontRef idx="minor">
+            <a:schemeClr val="dk1"/>
+          </a:fontRef>
+        </p:style>
+        <p:txBody>
+          <a:bodyPr rtlCol="0" anchor="ctr"/>
+          <a:lstStyle/>
+          <a:p>
+            <a:pPr algn="ctr"/>
+            <a:r>
+              <a:rPr lang="en-US" altLang="zh-CN" dirty="0" smtClean="0"/>
+              <a:t>Service</a:t>
+            </a:r>
+            <a:endParaRPr lang="zh-CN" altLang="en-US" dirty="0"/>
+          </a:p>
+        </p:txBody>
+      </p:sp>
+      <p:sp>
+        <p:nvSpPr>
+          <p:cNvPr id="37" name="圆角矩形 36"/>
+          <p:cNvSpPr/>
+          <p:nvPr/>
+        </p:nvSpPr>
+        <p:spPr>
+          <a:xfrm>
+            <a:off x="698775" y="269804"/>
+            <a:ext cx="1582994" cy="397614"/>
+          </a:xfrm>
+          <a:prstGeom prst="roundRect">
+            <a:avLst/>
+          </a:prstGeom>
+        </p:spPr>
+        <p:style>
+          <a:lnRef idx="1">
+            <a:schemeClr val="dk1"/>
+          </a:lnRef>
+          <a:fillRef idx="2">
+            <a:schemeClr val="dk1"/>
+          </a:fillRef>
+          <a:effectRef idx="1">
+            <a:schemeClr val="dk1"/>
+          </a:effectRef>
+          <a:fontRef idx="minor">
+            <a:schemeClr val="dk1"/>
+          </a:fontRef>
+        </p:style>
+        <p:txBody>
+          <a:bodyPr rtlCol="0" anchor="ctr"/>
+          <a:lstStyle/>
+          <a:p>
+            <a:pPr algn="ctr"/>
+            <a:r>
+              <a:rPr lang="en-US" altLang="zh-CN" dirty="0" smtClean="0"/>
+              <a:t>JS</a:t>
+            </a:r>
+            <a:endParaRPr lang="zh-CN" altLang="en-US" dirty="0"/>
+          </a:p>
+        </p:txBody>
+      </p:sp>
+      <p:sp>
+        <p:nvSpPr>
+          <p:cNvPr id="38" name="圆角矩形 37"/>
+          <p:cNvSpPr/>
+          <p:nvPr/>
+        </p:nvSpPr>
+        <p:spPr>
+          <a:xfrm>
+            <a:off x="698775" y="713665"/>
+            <a:ext cx="1582994" cy="397614"/>
+          </a:xfrm>
+          <a:prstGeom prst="roundRect">
+            <a:avLst/>
+          </a:prstGeom>
+        </p:spPr>
+        <p:style>
+          <a:lnRef idx="1">
+            <a:schemeClr val="dk1"/>
+          </a:lnRef>
+          <a:fillRef idx="2">
+            <a:schemeClr val="dk1"/>
+          </a:fillRef>
+          <a:effectRef idx="1">
+            <a:schemeClr val="dk1"/>
+          </a:effectRef>
+          <a:fontRef idx="minor">
+            <a:schemeClr val="dk1"/>
+          </a:fontRef>
+        </p:style>
+        <p:txBody>
+          <a:bodyPr rtlCol="0" anchor="ctr"/>
+          <a:lstStyle/>
+          <a:p>
+            <a:pPr algn="ctr"/>
+            <a:r>
+              <a:rPr lang="en-US" altLang="zh-CN" dirty="0"/>
+              <a:t>CSS</a:t>
+            </a:r>
+            <a:endParaRPr lang="zh-CN" altLang="en-US" dirty="0"/>
+          </a:p>
+        </p:txBody>
+      </p:sp>
+      <p:sp>
+        <p:nvSpPr>
+          <p:cNvPr id="39" name="圆角矩形 38"/>
+          <p:cNvSpPr/>
+          <p:nvPr/>
+        </p:nvSpPr>
+        <p:spPr>
+          <a:xfrm>
+            <a:off x="698775" y="1157526"/>
+            <a:ext cx="1582994" cy="397614"/>
+          </a:xfrm>
+          <a:prstGeom prst="roundRect">
+            <a:avLst/>
+          </a:prstGeom>
+        </p:spPr>
+        <p:style>
+          <a:lnRef idx="1">
+            <a:schemeClr val="dk1"/>
+          </a:lnRef>
+          <a:fillRef idx="2">
+            <a:schemeClr val="dk1"/>
+          </a:fillRef>
+          <a:effectRef idx="1">
+            <a:schemeClr val="dk1"/>
+          </a:effectRef>
+          <a:fontRef idx="minor">
+            <a:schemeClr val="dk1"/>
+          </a:fontRef>
+        </p:style>
+        <p:txBody>
+          <a:bodyPr rtlCol="0" anchor="ctr"/>
+          <a:lstStyle/>
+          <a:p>
+            <a:pPr algn="ctr"/>
+            <a:r>
+              <a:rPr lang="en-US" altLang="zh-CN" dirty="0" smtClean="0"/>
+              <a:t>Page</a:t>
+            </a:r>
+            <a:endParaRPr lang="zh-CN" altLang="en-US" dirty="0"/>
+          </a:p>
+        </p:txBody>
+      </p:sp>
+      <p:sp>
+        <p:nvSpPr>
+          <p:cNvPr id="40" name="圆角矩形 39"/>
+          <p:cNvSpPr/>
+          <p:nvPr/>
+        </p:nvSpPr>
+        <p:spPr>
+          <a:xfrm>
+            <a:off x="698775" y="1618987"/>
+            <a:ext cx="1582994" cy="397614"/>
+          </a:xfrm>
+          <a:prstGeom prst="roundRect">
+            <a:avLst/>
+          </a:prstGeom>
+        </p:spPr>
+        <p:style>
+          <a:lnRef idx="1">
+            <a:schemeClr val="dk1"/>
+          </a:lnRef>
+          <a:fillRef idx="2">
+            <a:schemeClr val="dk1"/>
+          </a:fillRef>
+          <a:effectRef idx="1">
+            <a:schemeClr val="dk1"/>
+          </a:effectRef>
+          <a:fontRef idx="minor">
+            <a:schemeClr val="dk1"/>
+          </a:fontRef>
+        </p:style>
+        <p:txBody>
+          <a:bodyPr rtlCol="0" anchor="ctr"/>
+          <a:lstStyle/>
+          <a:p>
+            <a:pPr algn="ctr"/>
+            <a:r>
+              <a:rPr lang="en-US" altLang="zh-CN" dirty="0" smtClean="0"/>
+              <a:t>Control</a:t>
+            </a:r>
+            <a:endParaRPr lang="zh-CN" altLang="en-US" dirty="0"/>
+          </a:p>
+        </p:txBody>
+      </p:sp>
+      <p:sp>
+        <p:nvSpPr>
+          <p:cNvPr id="5" name="右箭头 4"/>
+          <p:cNvSpPr/>
+          <p:nvPr/>
+        </p:nvSpPr>
+        <p:spPr>
+          <a:xfrm>
+            <a:off x="2409588" y="1226808"/>
+            <a:ext cx="1592826" cy="339998"/>
+          </a:xfrm>
+          <a:prstGeom prst="rightArrow">
+            <a:avLst/>
+          </a:prstGeom>
+        </p:spPr>
+        <p:style>
+          <a:lnRef idx="1">
+            <a:schemeClr val="dk1"/>
+          </a:lnRef>
+          <a:fillRef idx="2">
+            <a:schemeClr val="dk1"/>
+          </a:fillRef>
+          <a:effectRef idx="1">
+            <a:schemeClr val="dk1"/>
+          </a:effectRef>
+          <a:fontRef idx="minor">
+            <a:schemeClr val="dk1"/>
+          </a:fontRef>
+        </p:style>
+        <p:txBody>
+          <a:bodyPr rtlCol="0" anchor="ctr"/>
+          <a:lstStyle/>
+          <a:p>
+            <a:pPr algn="ctr"/>
+            <a:endParaRPr lang="zh-CN" altLang="en-US"/>
+          </a:p>
+        </p:txBody>
+      </p:sp>
+      <p:sp>
+        <p:nvSpPr>
+          <p:cNvPr id="41" name="圆角矩形 40"/>
+          <p:cNvSpPr/>
+          <p:nvPr/>
+        </p:nvSpPr>
+        <p:spPr>
+          <a:xfrm>
+            <a:off x="4002414" y="1169192"/>
+            <a:ext cx="1582994" cy="397614"/>
+          </a:xfrm>
+          <a:prstGeom prst="roundRect">
+            <a:avLst/>
+          </a:prstGeom>
+        </p:spPr>
+        <p:style>
+          <a:lnRef idx="1">
+            <a:schemeClr val="dk1"/>
+          </a:lnRef>
+          <a:fillRef idx="3">
+            <a:schemeClr val="dk1"/>
+          </a:fillRef>
+          <a:effectRef idx="2">
+            <a:schemeClr val="dk1"/>
+          </a:effectRef>
+          <a:fontRef idx="minor">
+            <a:schemeClr val="lt1"/>
+          </a:fontRef>
+        </p:style>
+        <p:txBody>
+          <a:bodyPr rtlCol="0" anchor="ctr"/>
+          <a:lstStyle/>
+          <a:p>
+            <a:pPr algn="ctr"/>
+            <a:r>
+              <a:rPr lang="zh-CN" altLang="en-US" dirty="0" smtClean="0"/>
+              <a:t>前端框架</a:t>
+            </a:r>
+            <a:endParaRPr lang="zh-CN" altLang="en-US" dirty="0"/>
+          </a:p>
+        </p:txBody>
+      </p:sp>
+      <p:sp>
+        <p:nvSpPr>
+          <p:cNvPr id="42" name="右箭头 41"/>
+          <p:cNvSpPr/>
+          <p:nvPr/>
+        </p:nvSpPr>
+        <p:spPr>
+          <a:xfrm>
+            <a:off x="2409588" y="2641374"/>
+            <a:ext cx="1592826" cy="339998"/>
+          </a:xfrm>
+          <a:prstGeom prst="rightArrow">
+            <a:avLst/>
+          </a:prstGeom>
+        </p:spPr>
+        <p:style>
+          <a:lnRef idx="1">
+            <a:schemeClr val="accent2"/>
+          </a:lnRef>
+          <a:fillRef idx="2">
+            <a:schemeClr val="accent2"/>
+          </a:fillRef>
+          <a:effectRef idx="1">
+            <a:schemeClr val="accent2"/>
+          </a:effectRef>
+          <a:fontRef idx="minor">
+            <a:schemeClr val="dk1"/>
+          </a:fontRef>
+        </p:style>
+        <p:txBody>
+          <a:bodyPr rtlCol="0" anchor="ctr"/>
+          <a:lstStyle/>
+          <a:p>
+            <a:pPr algn="ctr"/>
+            <a:endParaRPr lang="zh-CN" altLang="en-US"/>
+          </a:p>
+        </p:txBody>
+      </p:sp>
+      <p:sp>
+        <p:nvSpPr>
+          <p:cNvPr id="43" name="圆角矩形 42"/>
+          <p:cNvSpPr/>
+          <p:nvPr/>
+        </p:nvSpPr>
+        <p:spPr>
+          <a:xfrm>
+            <a:off x="4002414" y="1856123"/>
+            <a:ext cx="1582994" cy="397614"/>
+          </a:xfrm>
+          <a:prstGeom prst="roundRect">
+            <a:avLst/>
+          </a:prstGeom>
+        </p:spPr>
+        <p:style>
+          <a:lnRef idx="1">
+            <a:schemeClr val="accent2"/>
+          </a:lnRef>
+          <a:fillRef idx="3">
+            <a:schemeClr val="accent2"/>
+          </a:fillRef>
+          <a:effectRef idx="2">
+            <a:schemeClr val="accent2"/>
+          </a:effectRef>
+          <a:fontRef idx="minor">
+            <a:schemeClr val="lt1"/>
+          </a:fontRef>
+        </p:style>
+        <p:txBody>
+          <a:bodyPr rtlCol="0" anchor="ctr"/>
+          <a:lstStyle/>
+          <a:p>
+            <a:pPr algn="ctr"/>
+            <a:r>
+              <a:rPr lang="en-US" altLang="zh-CN" dirty="0" err="1" smtClean="0"/>
+              <a:t>IoC</a:t>
+            </a:r>
+            <a:endParaRPr lang="zh-CN" altLang="en-US" dirty="0"/>
+          </a:p>
+        </p:txBody>
+      </p:sp>
+      <p:sp>
+        <p:nvSpPr>
+          <p:cNvPr id="46" name="圆角矩形 45"/>
+          <p:cNvSpPr/>
+          <p:nvPr/>
+        </p:nvSpPr>
+        <p:spPr>
+          <a:xfrm>
+            <a:off x="4002414" y="2359971"/>
+            <a:ext cx="1582994" cy="397614"/>
+          </a:xfrm>
+          <a:prstGeom prst="roundRect">
+            <a:avLst/>
+          </a:prstGeom>
+        </p:spPr>
+        <p:style>
+          <a:lnRef idx="1">
+            <a:schemeClr val="accent2"/>
+          </a:lnRef>
+          <a:fillRef idx="3">
+            <a:schemeClr val="accent2"/>
+          </a:fillRef>
+          <a:effectRef idx="2">
+            <a:schemeClr val="accent2"/>
+          </a:effectRef>
+          <a:fontRef idx="minor">
+            <a:schemeClr val="lt1"/>
+          </a:fontRef>
+        </p:style>
+        <p:txBody>
+          <a:bodyPr rot="0" spcFirstLastPara="0" vertOverflow="overflow" horzOverflow="overflow" vert="horz" wrap="square" lIns="91440" tIns="45720" rIns="91440" bIns="45720" numCol="1" spcCol="0" rtlCol="0" fromWordArt="0" anchor="ctr" anchorCtr="0" forceAA="0" compatLnSpc="1">
+            <a:prstTxWarp prst="textNoShape">
+              <a:avLst/>
+            </a:prstTxWarp>
+            <a:noAutofit/>
+          </a:bodyPr>
+          <a:lstStyle/>
+          <a:p>
+            <a:pPr algn="ctr"/>
+            <a:r>
+              <a:rPr lang="en-US" altLang="zh-CN" dirty="0"/>
+              <a:t>Hosting</a:t>
+            </a:r>
+            <a:endParaRPr lang="zh-CN" altLang="en-US" dirty="0"/>
+          </a:p>
+        </p:txBody>
+      </p:sp>
+      <p:sp>
+        <p:nvSpPr>
+          <p:cNvPr id="48" name="圆角矩形 47"/>
+          <p:cNvSpPr/>
+          <p:nvPr/>
+        </p:nvSpPr>
+        <p:spPr>
+          <a:xfrm>
+            <a:off x="4002414" y="2859883"/>
+            <a:ext cx="1582994" cy="397614"/>
+          </a:xfrm>
+          <a:prstGeom prst="roundRect">
+            <a:avLst/>
+          </a:prstGeom>
+        </p:spPr>
+        <p:style>
+          <a:lnRef idx="1">
+            <a:schemeClr val="accent2"/>
+          </a:lnRef>
+          <a:fillRef idx="3">
+            <a:schemeClr val="accent2"/>
+          </a:fillRef>
+          <a:effectRef idx="2">
+            <a:schemeClr val="accent2"/>
+          </a:effectRef>
+          <a:fontRef idx="minor">
+            <a:schemeClr val="lt1"/>
+          </a:fontRef>
+        </p:style>
+        <p:txBody>
+          <a:bodyPr rot="0" spcFirstLastPara="0" vertOverflow="overflow" horzOverflow="overflow" vert="horz" wrap="square" lIns="91440" tIns="45720" rIns="91440" bIns="45720" numCol="1" spcCol="0" rtlCol="0" fromWordArt="0" anchor="ctr" anchorCtr="0" forceAA="0" compatLnSpc="1">
+            <a:prstTxWarp prst="textNoShape">
+              <a:avLst/>
+            </a:prstTxWarp>
+            <a:noAutofit/>
+          </a:bodyPr>
+          <a:lstStyle/>
+          <a:p>
+            <a:pPr algn="ctr"/>
+            <a:r>
+              <a:rPr lang="en-US" altLang="zh-CN" dirty="0"/>
+              <a:t>Cache</a:t>
+            </a:r>
+            <a:endParaRPr lang="zh-CN" altLang="en-US" dirty="0"/>
+          </a:p>
+        </p:txBody>
+      </p:sp>
+      <p:sp>
+        <p:nvSpPr>
+          <p:cNvPr id="50" name="圆角矩形 49"/>
+          <p:cNvSpPr/>
+          <p:nvPr/>
+        </p:nvSpPr>
+        <p:spPr>
+          <a:xfrm>
+            <a:off x="4002414" y="3372635"/>
+            <a:ext cx="1582994" cy="397614"/>
+          </a:xfrm>
+          <a:prstGeom prst="roundRect">
+            <a:avLst/>
+          </a:prstGeom>
+        </p:spPr>
+        <p:style>
+          <a:lnRef idx="1">
+            <a:schemeClr val="accent2"/>
+          </a:lnRef>
+          <a:fillRef idx="3">
+            <a:schemeClr val="accent2"/>
+          </a:fillRef>
+          <a:effectRef idx="2">
+            <a:schemeClr val="accent2"/>
+          </a:effectRef>
+          <a:fontRef idx="minor">
+            <a:schemeClr val="lt1"/>
+          </a:fontRef>
+        </p:style>
+        <p:txBody>
+          <a:bodyPr rot="0" spcFirstLastPara="0" vertOverflow="overflow" horzOverflow="overflow" vert="horz" wrap="square" lIns="91440" tIns="45720" rIns="91440" bIns="45720" numCol="1" spcCol="0" rtlCol="0" fromWordArt="0" anchor="ctr" anchorCtr="0" forceAA="0" compatLnSpc="1">
+            <a:prstTxWarp prst="textNoShape">
+              <a:avLst/>
+            </a:prstTxWarp>
+            <a:noAutofit/>
+          </a:bodyPr>
+          <a:lstStyle/>
+          <a:p>
+            <a:pPr algn="ctr"/>
+            <a:r>
+              <a:rPr lang="en-US" altLang="zh-CN" dirty="0"/>
+              <a:t>Modules</a:t>
+            </a:r>
+            <a:endParaRPr lang="zh-CN" altLang="en-US" dirty="0"/>
+          </a:p>
+        </p:txBody>
+      </p:sp>
+      <p:sp>
+        <p:nvSpPr>
+          <p:cNvPr id="51" name="圆角矩形 50"/>
+          <p:cNvSpPr/>
+          <p:nvPr/>
+        </p:nvSpPr>
+        <p:spPr>
+          <a:xfrm>
+            <a:off x="4002414" y="3885387"/>
+            <a:ext cx="1582994" cy="397614"/>
+          </a:xfrm>
+          <a:prstGeom prst="roundRect">
+            <a:avLst/>
+          </a:prstGeom>
+        </p:spPr>
+        <p:style>
+          <a:lnRef idx="1">
+            <a:schemeClr val="accent2"/>
+          </a:lnRef>
+          <a:fillRef idx="3">
+            <a:schemeClr val="accent2"/>
+          </a:fillRef>
+          <a:effectRef idx="2">
+            <a:schemeClr val="accent2"/>
+          </a:effectRef>
+          <a:fontRef idx="minor">
+            <a:schemeClr val="lt1"/>
+          </a:fontRef>
+        </p:style>
+        <p:txBody>
+          <a:bodyPr rot="0" spcFirstLastPara="0" vertOverflow="overflow" horzOverflow="overflow" vert="horz" wrap="square" lIns="91440" tIns="45720" rIns="91440" bIns="45720" numCol="1" spcCol="0" rtlCol="0" fromWordArt="0" anchor="ctr" anchorCtr="0" forceAA="0" compatLnSpc="1">
+            <a:prstTxWarp prst="textNoShape">
+              <a:avLst/>
+            </a:prstTxWarp>
+            <a:noAutofit/>
+          </a:bodyPr>
+          <a:lstStyle/>
+          <a:p>
+            <a:pPr algn="ctr"/>
+            <a:r>
+              <a:rPr lang="en-US" altLang="zh-CN" dirty="0"/>
+              <a:t>Log</a:t>
+            </a:r>
+            <a:endParaRPr lang="zh-CN" altLang="en-US" dirty="0"/>
+          </a:p>
+        </p:txBody>
+      </p:sp>
+      <p:sp>
+        <p:nvSpPr>
+          <p:cNvPr id="53" name="右箭头 52"/>
+          <p:cNvSpPr/>
+          <p:nvPr/>
+        </p:nvSpPr>
+        <p:spPr>
+          <a:xfrm>
+            <a:off x="8220602" y="4637005"/>
+            <a:ext cx="1592826" cy="339998"/>
+          </a:xfrm>
+          <a:prstGeom prst="rightArrow">
+            <a:avLst/>
+          </a:prstGeom>
+        </p:spPr>
+        <p:style>
+          <a:lnRef idx="1">
+            <a:schemeClr val="accent3"/>
+          </a:lnRef>
+          <a:fillRef idx="2">
+            <a:schemeClr val="accent3"/>
+          </a:fillRef>
+          <a:effectRef idx="1">
+            <a:schemeClr val="accent3"/>
+          </a:effectRef>
+          <a:fontRef idx="minor">
+            <a:schemeClr val="dk1"/>
+          </a:fontRef>
+        </p:style>
+        <p:txBody>
+          <a:bodyPr rtlCol="0" anchor="ctr"/>
+          <a:lstStyle/>
+          <a:p>
+            <a:pPr algn="ctr"/>
+            <a:endParaRPr lang="zh-CN" altLang="en-US"/>
+          </a:p>
+        </p:txBody>
+      </p:sp>
+      <p:sp>
+        <p:nvSpPr>
+          <p:cNvPr id="57" name="圆角矩形 56"/>
+          <p:cNvSpPr/>
+          <p:nvPr/>
+        </p:nvSpPr>
+        <p:spPr>
+          <a:xfrm>
+            <a:off x="9847073" y="4615644"/>
+            <a:ext cx="1582994" cy="397614"/>
+          </a:xfrm>
+          <a:prstGeom prst="roundRect">
+            <a:avLst/>
+          </a:prstGeom>
+        </p:spPr>
+        <p:style>
+          <a:lnRef idx="1">
+            <a:schemeClr val="accent3"/>
+          </a:lnRef>
+          <a:fillRef idx="3">
+            <a:schemeClr val="accent3"/>
+          </a:fillRef>
+          <a:effectRef idx="2">
+            <a:schemeClr val="accent3"/>
+          </a:effectRef>
+          <a:fontRef idx="minor">
+            <a:schemeClr val="lt1"/>
+          </a:fontRef>
+        </p:style>
+        <p:txBody>
+          <a:bodyPr rtlCol="0" anchor="ctr"/>
+          <a:lstStyle/>
+          <a:p>
+            <a:pPr algn="ctr"/>
+            <a:r>
+              <a:rPr lang="en-US" altLang="zh-CN" dirty="0" smtClean="0"/>
+              <a:t>Service</a:t>
+            </a:r>
+            <a:endParaRPr lang="zh-CN" altLang="en-US" dirty="0"/>
+          </a:p>
+        </p:txBody>
+      </p:sp>
+      <p:sp>
+        <p:nvSpPr>
+          <p:cNvPr id="61" name="圆角矩形 60"/>
+          <p:cNvSpPr/>
+          <p:nvPr/>
+        </p:nvSpPr>
+        <p:spPr>
+          <a:xfrm>
+            <a:off x="6482259" y="5164264"/>
+            <a:ext cx="1582994" cy="397614"/>
+          </a:xfrm>
+          <a:prstGeom prst="roundRect">
+            <a:avLst/>
+          </a:prstGeom>
+        </p:spPr>
+        <p:style>
+          <a:lnRef idx="1">
+            <a:schemeClr val="accent3"/>
+          </a:lnRef>
+          <a:fillRef idx="2">
+            <a:schemeClr val="accent3"/>
+          </a:fillRef>
+          <a:effectRef idx="1">
+            <a:schemeClr val="accent3"/>
+          </a:effectRef>
+          <a:fontRef idx="minor">
+            <a:schemeClr val="dk1"/>
+          </a:fontRef>
+        </p:style>
+        <p:txBody>
+          <a:bodyPr rtlCol="0" anchor="ctr"/>
+          <a:lstStyle/>
+          <a:p>
+            <a:pPr algn="ctr"/>
+            <a:r>
+              <a:rPr lang="en-US" altLang="zh-CN" dirty="0" smtClean="0"/>
+              <a:t>BP</a:t>
+            </a:r>
+            <a:endParaRPr lang="zh-CN" altLang="en-US" dirty="0"/>
+          </a:p>
+        </p:txBody>
+      </p:sp>
+      <p:sp>
+        <p:nvSpPr>
+          <p:cNvPr id="62" name="圆角矩形 61"/>
+          <p:cNvSpPr/>
+          <p:nvPr/>
+        </p:nvSpPr>
+        <p:spPr>
+          <a:xfrm>
+            <a:off x="6514556" y="641538"/>
+            <a:ext cx="1582994" cy="397614"/>
+          </a:xfrm>
+          <a:prstGeom prst="roundRect">
+            <a:avLst/>
+          </a:prstGeom>
+        </p:spPr>
+        <p:style>
+          <a:lnRef idx="1">
+            <a:schemeClr val="accent4"/>
+          </a:lnRef>
+          <a:fillRef idx="2">
+            <a:schemeClr val="accent4"/>
+          </a:fillRef>
+          <a:effectRef idx="1">
+            <a:schemeClr val="accent4"/>
+          </a:effectRef>
+          <a:fontRef idx="minor">
+            <a:schemeClr val="dk1"/>
+          </a:fontRef>
+        </p:style>
+        <p:txBody>
+          <a:bodyPr rtlCol="0" anchor="ctr"/>
+          <a:lstStyle/>
+          <a:p>
+            <a:pPr algn="ctr"/>
+            <a:r>
+              <a:rPr lang="en-US" altLang="zh-CN" dirty="0" smtClean="0"/>
+              <a:t>BE</a:t>
+            </a:r>
+            <a:endParaRPr lang="zh-CN" altLang="en-US" dirty="0"/>
+          </a:p>
+        </p:txBody>
+      </p:sp>
+      <p:sp>
+        <p:nvSpPr>
+          <p:cNvPr id="63" name="圆角矩形 62"/>
+          <p:cNvSpPr/>
+          <p:nvPr/>
+        </p:nvSpPr>
+        <p:spPr>
+          <a:xfrm>
+            <a:off x="6514556" y="1159479"/>
+            <a:ext cx="1582994" cy="397614"/>
+          </a:xfrm>
+          <a:prstGeom prst="roundRect">
+            <a:avLst/>
+          </a:prstGeom>
+        </p:spPr>
+        <p:style>
+          <a:lnRef idx="1">
+            <a:schemeClr val="accent4"/>
+          </a:lnRef>
+          <a:fillRef idx="2">
+            <a:schemeClr val="accent4"/>
+          </a:fillRef>
+          <a:effectRef idx="1">
+            <a:schemeClr val="accent4"/>
+          </a:effectRef>
+          <a:fontRef idx="minor">
+            <a:schemeClr val="dk1"/>
+          </a:fontRef>
+        </p:style>
+        <p:txBody>
+          <a:bodyPr rtlCol="0" anchor="ctr"/>
+          <a:lstStyle/>
+          <a:p>
+            <a:pPr algn="ctr"/>
+            <a:r>
+              <a:rPr lang="en-US" altLang="zh-CN" dirty="0"/>
+              <a:t>DTO</a:t>
+            </a:r>
+            <a:endParaRPr lang="zh-CN" altLang="en-US" dirty="0"/>
+          </a:p>
+        </p:txBody>
+      </p:sp>
+      <p:sp>
+        <p:nvSpPr>
+          <p:cNvPr id="64" name="右箭头 63"/>
+          <p:cNvSpPr/>
+          <p:nvPr/>
+        </p:nvSpPr>
+        <p:spPr>
+          <a:xfrm>
+            <a:off x="8254247" y="886810"/>
+            <a:ext cx="1592826" cy="339998"/>
+          </a:xfrm>
+          <a:prstGeom prst="rightArrow">
+            <a:avLst/>
+          </a:prstGeom>
+        </p:spPr>
+        <p:style>
+          <a:lnRef idx="1">
+            <a:schemeClr val="accent4"/>
+          </a:lnRef>
+          <a:fillRef idx="2">
+            <a:schemeClr val="accent4"/>
+          </a:fillRef>
+          <a:effectRef idx="1">
+            <a:schemeClr val="accent4"/>
+          </a:effectRef>
+          <a:fontRef idx="minor">
+            <a:schemeClr val="dk1"/>
+          </a:fontRef>
+        </p:style>
+        <p:txBody>
+          <a:bodyPr rtlCol="0" anchor="ctr"/>
+          <a:lstStyle/>
+          <a:p>
+            <a:pPr algn="ctr"/>
+            <a:endParaRPr lang="zh-CN" altLang="en-US"/>
+          </a:p>
+        </p:txBody>
+      </p:sp>
+      <p:sp>
+        <p:nvSpPr>
+          <p:cNvPr id="65" name="圆角矩形 64"/>
+          <p:cNvSpPr/>
+          <p:nvPr/>
+        </p:nvSpPr>
+        <p:spPr>
+          <a:xfrm>
+            <a:off x="10003770" y="1150010"/>
+            <a:ext cx="1582994" cy="397614"/>
+          </a:xfrm>
+          <a:prstGeom prst="roundRect">
+            <a:avLst/>
+          </a:prstGeom>
+        </p:spPr>
+        <p:style>
+          <a:lnRef idx="1">
+            <a:schemeClr val="accent4"/>
+          </a:lnRef>
+          <a:fillRef idx="3">
+            <a:schemeClr val="accent4"/>
+          </a:fillRef>
+          <a:effectRef idx="2">
+            <a:schemeClr val="accent4"/>
+          </a:effectRef>
+          <a:fontRef idx="minor">
+            <a:schemeClr val="lt1"/>
+          </a:fontRef>
+        </p:style>
+        <p:txBody>
+          <a:bodyPr rtlCol="0" anchor="ctr"/>
+          <a:lstStyle/>
+          <a:p>
+            <a:pPr algn="ctr"/>
+            <a:r>
+              <a:rPr lang="en-US" altLang="zh-CN" dirty="0" smtClean="0"/>
+              <a:t>Model</a:t>
+            </a:r>
+            <a:endParaRPr lang="zh-CN" altLang="en-US" dirty="0"/>
+          </a:p>
+        </p:txBody>
+      </p:sp>
+      <p:sp>
+        <p:nvSpPr>
+          <p:cNvPr id="66" name="圆角矩形 65"/>
+          <p:cNvSpPr/>
+          <p:nvPr/>
+        </p:nvSpPr>
+        <p:spPr>
+          <a:xfrm>
+            <a:off x="10003770" y="659195"/>
+            <a:ext cx="1582994" cy="397614"/>
+          </a:xfrm>
+          <a:prstGeom prst="roundRect">
+            <a:avLst/>
+          </a:prstGeom>
+        </p:spPr>
+        <p:style>
+          <a:lnRef idx="1">
+            <a:schemeClr val="accent4"/>
+          </a:lnRef>
+          <a:fillRef idx="3">
+            <a:schemeClr val="accent4"/>
+          </a:fillRef>
+          <a:effectRef idx="2">
+            <a:schemeClr val="accent4"/>
+          </a:effectRef>
+          <a:fontRef idx="minor">
+            <a:schemeClr val="lt1"/>
+          </a:fontRef>
+        </p:style>
+        <p:txBody>
+          <a:bodyPr rtlCol="0" anchor="ctr"/>
+          <a:lstStyle/>
+          <a:p>
+            <a:pPr algn="ctr"/>
+            <a:r>
+              <a:rPr lang="en-US" altLang="zh-CN" dirty="0">
+                <a:solidFill>
+                  <a:schemeClr val="lt1"/>
+                </a:solidFill>
+              </a:rPr>
+              <a:t>Data</a:t>
+            </a:r>
+            <a:endParaRPr lang="zh-CN" altLang="en-US" dirty="0">
+              <a:solidFill>
+                <a:schemeClr val="lt1"/>
+              </a:solidFill>
+            </a:endParaRPr>
+          </a:p>
+        </p:txBody>
+      </p:sp>
+      <p:sp>
+        <p:nvSpPr>
+          <p:cNvPr id="67" name="圆角矩形 66"/>
+          <p:cNvSpPr/>
+          <p:nvPr/>
+        </p:nvSpPr>
+        <p:spPr>
+          <a:xfrm>
+            <a:off x="6514556" y="1712380"/>
+            <a:ext cx="1582994" cy="397614"/>
+          </a:xfrm>
+          <a:prstGeom prst="roundRect">
+            <a:avLst/>
+          </a:prstGeom>
+        </p:spPr>
+        <p:style>
+          <a:lnRef idx="1">
+            <a:schemeClr val="accent4"/>
+          </a:lnRef>
+          <a:fillRef idx="2">
+            <a:schemeClr val="accent4"/>
+          </a:fillRef>
+          <a:effectRef idx="1">
+            <a:schemeClr val="accent4"/>
+          </a:effectRef>
+          <a:fontRef idx="minor">
+            <a:schemeClr val="dk1"/>
+          </a:fontRef>
+        </p:style>
+        <p:txBody>
+          <a:bodyPr rtlCol="0" anchor="ctr"/>
+          <a:lstStyle/>
+          <a:p>
+            <a:pPr algn="ctr"/>
+            <a:r>
+              <a:rPr lang="en-US" altLang="zh-CN" dirty="0" err="1" smtClean="0"/>
+              <a:t>Dblayer</a:t>
+            </a:r>
+            <a:endParaRPr lang="zh-CN" altLang="en-US" dirty="0"/>
+          </a:p>
+        </p:txBody>
+      </p:sp>
+      <p:sp>
+        <p:nvSpPr>
+          <p:cNvPr id="68" name="圆角矩形 67"/>
+          <p:cNvSpPr/>
+          <p:nvPr/>
+        </p:nvSpPr>
+        <p:spPr>
+          <a:xfrm>
+            <a:off x="6514556" y="2214952"/>
+            <a:ext cx="1582994" cy="397614"/>
+          </a:xfrm>
+          <a:prstGeom prst="roundRect">
+            <a:avLst/>
+          </a:prstGeom>
+        </p:spPr>
+        <p:style>
+          <a:lnRef idx="1">
+            <a:schemeClr val="accent4"/>
+          </a:lnRef>
+          <a:fillRef idx="2">
+            <a:schemeClr val="accent4"/>
+          </a:fillRef>
+          <a:effectRef idx="1">
+            <a:schemeClr val="accent4"/>
+          </a:effectRef>
+          <a:fontRef idx="minor">
+            <a:schemeClr val="dk1"/>
+          </a:fontRef>
+        </p:style>
+        <p:txBody>
+          <a:bodyPr rtlCol="0" anchor="ctr"/>
+          <a:lstStyle/>
+          <a:p>
+            <a:pPr algn="ctr"/>
+            <a:r>
+              <a:rPr lang="en-US" altLang="zh-CN" dirty="0" err="1" smtClean="0"/>
+              <a:t>DTOPresister</a:t>
+            </a:r>
+            <a:endParaRPr lang="zh-CN" altLang="en-US" dirty="0"/>
+          </a:p>
+        </p:txBody>
+      </p:sp>
+      <p:sp>
+        <p:nvSpPr>
+          <p:cNvPr id="69" name="圆角矩形 68"/>
+          <p:cNvSpPr/>
+          <p:nvPr/>
+        </p:nvSpPr>
+        <p:spPr>
+          <a:xfrm>
+            <a:off x="6514556" y="2702632"/>
+            <a:ext cx="1582994" cy="397614"/>
+          </a:xfrm>
+          <a:prstGeom prst="roundRect">
+            <a:avLst/>
+          </a:prstGeom>
+        </p:spPr>
+        <p:style>
+          <a:lnRef idx="1">
+            <a:schemeClr val="accent4"/>
+          </a:lnRef>
+          <a:fillRef idx="2">
+            <a:schemeClr val="accent4"/>
+          </a:fillRef>
+          <a:effectRef idx="1">
+            <a:schemeClr val="accent4"/>
+          </a:effectRef>
+          <a:fontRef idx="minor">
+            <a:schemeClr val="dk1"/>
+          </a:fontRef>
+        </p:style>
+        <p:txBody>
+          <a:bodyPr rtlCol="0" anchor="ctr"/>
+          <a:lstStyle/>
+          <a:p>
+            <a:pPr algn="ctr"/>
+            <a:r>
+              <a:rPr lang="en-US" altLang="zh-CN" dirty="0" err="1" smtClean="0"/>
+              <a:t>DataStruct</a:t>
+            </a:r>
+            <a:endParaRPr lang="zh-CN" altLang="en-US" dirty="0"/>
+          </a:p>
+        </p:txBody>
+      </p:sp>
+      <p:sp>
+        <p:nvSpPr>
+          <p:cNvPr id="31" name="右箭头 30"/>
+          <p:cNvSpPr/>
+          <p:nvPr/>
+        </p:nvSpPr>
+        <p:spPr>
+          <a:xfrm rot="19348199">
+            <a:off x="6980517" y="2682985"/>
+            <a:ext cx="3834423" cy="339998"/>
+          </a:xfrm>
+          <a:prstGeom prst="rightArrow">
+            <a:avLst/>
+          </a:prstGeom>
+        </p:spPr>
+        <p:style>
+          <a:lnRef idx="1">
+            <a:schemeClr val="accent3"/>
+          </a:lnRef>
+          <a:fillRef idx="2">
+            <a:schemeClr val="accent3"/>
+          </a:fillRef>
+          <a:effectRef idx="1">
+            <a:schemeClr val="accent3"/>
+          </a:effectRef>
+          <a:fontRef idx="minor">
+            <a:schemeClr val="dk1"/>
+          </a:fontRef>
+        </p:style>
+        <p:txBody>
+          <a:bodyPr rtlCol="0" anchor="ctr"/>
+          <a:lstStyle/>
+          <a:p>
+            <a:pPr algn="ctr"/>
+            <a:endParaRPr lang="zh-CN" altLang="en-US"/>
+          </a:p>
+        </p:txBody>
+      </p:sp>
+    </p:spTree>
+    <p:extLst>
+      <p:ext uri="{BB962C8B-B14F-4D97-AF65-F5344CB8AC3E}">
+        <p14:creationId xmlns:p14="http://schemas.microsoft.com/office/powerpoint/2010/main" val="2647634389"/>
+      </p:ext>
+    </p:extLst>
+  </p:cSld>
+  <p:clrMapOvr>
+    <a:masterClrMapping/>
+  </p:clrMapOvr>
+  <p:timing>
+    <p:tnLst>
+      <p:par>
+        <p:cTn id="1" dur="indefinite" restart="never" nodeType="tmRoot"/>
+      </p:par>
+    </p:tnLst>
+  </p:timing>
+</p:sld>
+</file>
+
+<file path=ppt/slides/slide9.xml><?xml version="1.0" encoding="utf-8"?>
 <p:sld xmlns:a="http://schemas.openxmlformats.org/drawingml/2006/main" xmlns:r="http://schemas.openxmlformats.org/officeDocument/2006/relationships" xmlns:p="http://schemas.openxmlformats.org/presentationml/2006/main">
   <p:cSld>
     <p:spTree>
@@ -11194,136 +11574,6 @@
             </p:seq>
           </p:childTnLst>
         </p:cTn>
-      </p:par>
-    </p:tnLst>
-  </p:timing>
-</p:sld>
-</file>
-
-<file path=ppt/slides/slide8.xml><?xml version="1.0" encoding="utf-8"?>
-<p:sld xmlns:a="http://schemas.openxmlformats.org/drawingml/2006/main" xmlns:r="http://schemas.openxmlformats.org/officeDocument/2006/relationships" xmlns:p="http://schemas.openxmlformats.org/presentationml/2006/main">
-  <p:cSld>
-    <p:spTree>
-      <p:nvGrpSpPr>
-        <p:cNvPr id="1" name=""/>
-        <p:cNvGrpSpPr/>
-        <p:nvPr/>
-      </p:nvGrpSpPr>
-      <p:grpSpPr>
-        <a:xfrm>
-          <a:off x="0" y="0"/>
-          <a:ext cx="0" cy="0"/>
-          <a:chOff x="0" y="0"/>
-          <a:chExt cx="0" cy="0"/>
-        </a:xfrm>
-      </p:grpSpPr>
-      <p:sp>
-        <p:nvSpPr>
-          <p:cNvPr id="2" name="标题 1"/>
-          <p:cNvSpPr>
-            <a:spLocks noGrp="1"/>
-          </p:cNvSpPr>
-          <p:nvPr>
-            <p:ph type="title"/>
-          </p:nvPr>
-        </p:nvSpPr>
-        <p:spPr>
-          <a:xfrm>
-            <a:off x="0" y="5698873"/>
-            <a:ext cx="8534400" cy="1507067"/>
-          </a:xfrm>
-        </p:spPr>
-        <p:txBody>
-          <a:bodyPr/>
-          <a:lstStyle/>
-          <a:p>
-            <a:r>
-              <a:rPr lang="zh-CN" altLang="en-US" dirty="0" smtClean="0"/>
-              <a:t>简单事务</a:t>
-            </a:r>
-            <a:endParaRPr lang="zh-CN" altLang="en-US" dirty="0"/>
-          </a:p>
-        </p:txBody>
-      </p:sp>
-    </p:spTree>
-    <p:extLst>
-      <p:ext uri="{BB962C8B-B14F-4D97-AF65-F5344CB8AC3E}">
-        <p14:creationId xmlns:p14="http://schemas.microsoft.com/office/powerpoint/2010/main" val="911161047"/>
-      </p:ext>
-    </p:extLst>
-  </p:cSld>
-  <p:clrMapOvr>
-    <a:masterClrMapping/>
-  </p:clrMapOvr>
-  <p:timing>
-    <p:tnLst>
-      <p:par>
-        <p:cTn id="1" dur="indefinite" restart="never" nodeType="tmRoot"/>
-      </p:par>
-    </p:tnLst>
-  </p:timing>
-</p:sld>
-</file>
-
-<file path=ppt/slides/slide9.xml><?xml version="1.0" encoding="utf-8"?>
-<p:sld xmlns:a="http://schemas.openxmlformats.org/drawingml/2006/main" xmlns:r="http://schemas.openxmlformats.org/officeDocument/2006/relationships" xmlns:p="http://schemas.openxmlformats.org/presentationml/2006/main">
-  <p:cSld>
-    <p:spTree>
-      <p:nvGrpSpPr>
-        <p:cNvPr id="1" name=""/>
-        <p:cNvGrpSpPr/>
-        <p:nvPr/>
-      </p:nvGrpSpPr>
-      <p:grpSpPr>
-        <a:xfrm>
-          <a:off x="0" y="0"/>
-          <a:ext cx="0" cy="0"/>
-          <a:chOff x="0" y="0"/>
-          <a:chExt cx="0" cy="0"/>
-        </a:xfrm>
-      </p:grpSpPr>
-      <p:sp>
-        <p:nvSpPr>
-          <p:cNvPr id="2" name="标题 1"/>
-          <p:cNvSpPr>
-            <a:spLocks noGrp="1"/>
-          </p:cNvSpPr>
-          <p:nvPr>
-            <p:ph type="title"/>
-          </p:nvPr>
-        </p:nvSpPr>
-        <p:spPr>
-          <a:xfrm>
-            <a:off x="0" y="5698873"/>
-            <a:ext cx="8534400" cy="1507067"/>
-          </a:xfrm>
-        </p:spPr>
-        <p:txBody>
-          <a:bodyPr/>
-          <a:lstStyle/>
-          <a:p>
-            <a:r>
-              <a:rPr lang="zh-CN" altLang="en-US" dirty="0" smtClean="0"/>
-              <a:t>物理构架</a:t>
-            </a:r>
-            <a:endParaRPr lang="zh-CN" altLang="en-US" dirty="0"/>
-          </a:p>
-        </p:txBody>
-      </p:sp>
-    </p:spTree>
-    <p:extLst>
-      <p:ext uri="{BB962C8B-B14F-4D97-AF65-F5344CB8AC3E}">
-        <p14:creationId xmlns:p14="http://schemas.microsoft.com/office/powerpoint/2010/main" val="2615447106"/>
-      </p:ext>
-    </p:extLst>
-  </p:cSld>
-  <p:clrMapOvr>
-    <a:masterClrMapping/>
-  </p:clrMapOvr>
-  <p:timing>
-    <p:tnLst>
-      <p:par>
-        <p:cTn id="1" dur="indefinite" restart="never" nodeType="tmRoot"/>
       </p:par>
     </p:tnLst>
   </p:timing>
